--- a/assets/Diagram.pptx
+++ b/assets/Diagram.pptx
@@ -289,7 +289,7 @@
           <a:p>
             <a:fld id="{6DB206C8-F88B-4959-9CD2-3016D27660E1}" type="datetimeFigureOut">
               <a:rPr lang="en-US" smtClean="0"/>
-              <a:t>6/1/2018</a:t>
+              <a:t>6/2/2018</a:t>
             </a:fld>
             <a:endParaRPr lang="en-US"/>
           </a:p>
@@ -459,7 +459,7 @@
           <a:p>
             <a:fld id="{6DB206C8-F88B-4959-9CD2-3016D27660E1}" type="datetimeFigureOut">
               <a:rPr lang="en-US" smtClean="0"/>
-              <a:t>6/1/2018</a:t>
+              <a:t>6/2/2018</a:t>
             </a:fld>
             <a:endParaRPr lang="en-US"/>
           </a:p>
@@ -639,7 +639,7 @@
           <a:p>
             <a:fld id="{6DB206C8-F88B-4959-9CD2-3016D27660E1}" type="datetimeFigureOut">
               <a:rPr lang="en-US" smtClean="0"/>
-              <a:t>6/1/2018</a:t>
+              <a:t>6/2/2018</a:t>
             </a:fld>
             <a:endParaRPr lang="en-US"/>
           </a:p>
@@ -809,7 +809,7 @@
           <a:p>
             <a:fld id="{6DB206C8-F88B-4959-9CD2-3016D27660E1}" type="datetimeFigureOut">
               <a:rPr lang="en-US" smtClean="0"/>
-              <a:t>6/1/2018</a:t>
+              <a:t>6/2/2018</a:t>
             </a:fld>
             <a:endParaRPr lang="en-US"/>
           </a:p>
@@ -1055,7 +1055,7 @@
           <a:p>
             <a:fld id="{6DB206C8-F88B-4959-9CD2-3016D27660E1}" type="datetimeFigureOut">
               <a:rPr lang="en-US" smtClean="0"/>
-              <a:t>6/1/2018</a:t>
+              <a:t>6/2/2018</a:t>
             </a:fld>
             <a:endParaRPr lang="en-US"/>
           </a:p>
@@ -1343,7 +1343,7 @@
           <a:p>
             <a:fld id="{6DB206C8-F88B-4959-9CD2-3016D27660E1}" type="datetimeFigureOut">
               <a:rPr lang="en-US" smtClean="0"/>
-              <a:t>6/1/2018</a:t>
+              <a:t>6/2/2018</a:t>
             </a:fld>
             <a:endParaRPr lang="en-US"/>
           </a:p>
@@ -1765,7 +1765,7 @@
           <a:p>
             <a:fld id="{6DB206C8-F88B-4959-9CD2-3016D27660E1}" type="datetimeFigureOut">
               <a:rPr lang="en-US" smtClean="0"/>
-              <a:t>6/1/2018</a:t>
+              <a:t>6/2/2018</a:t>
             </a:fld>
             <a:endParaRPr lang="en-US"/>
           </a:p>
@@ -1883,7 +1883,7 @@
           <a:p>
             <a:fld id="{6DB206C8-F88B-4959-9CD2-3016D27660E1}" type="datetimeFigureOut">
               <a:rPr lang="en-US" smtClean="0"/>
-              <a:t>6/1/2018</a:t>
+              <a:t>6/2/2018</a:t>
             </a:fld>
             <a:endParaRPr lang="en-US"/>
           </a:p>
@@ -1978,7 +1978,7 @@
           <a:p>
             <a:fld id="{6DB206C8-F88B-4959-9CD2-3016D27660E1}" type="datetimeFigureOut">
               <a:rPr lang="en-US" smtClean="0"/>
-              <a:t>6/1/2018</a:t>
+              <a:t>6/2/2018</a:t>
             </a:fld>
             <a:endParaRPr lang="en-US"/>
           </a:p>
@@ -2255,7 +2255,7 @@
           <a:p>
             <a:fld id="{6DB206C8-F88B-4959-9CD2-3016D27660E1}" type="datetimeFigureOut">
               <a:rPr lang="en-US" smtClean="0"/>
-              <a:t>6/1/2018</a:t>
+              <a:t>6/2/2018</a:t>
             </a:fld>
             <a:endParaRPr lang="en-US"/>
           </a:p>
@@ -2508,7 +2508,7 @@
           <a:p>
             <a:fld id="{6DB206C8-F88B-4959-9CD2-3016D27660E1}" type="datetimeFigureOut">
               <a:rPr lang="en-US" smtClean="0"/>
-              <a:t>6/1/2018</a:t>
+              <a:t>6/2/2018</a:t>
             </a:fld>
             <a:endParaRPr lang="en-US"/>
           </a:p>
@@ -2721,7 +2721,7 @@
           <a:p>
             <a:fld id="{6DB206C8-F88B-4959-9CD2-3016D27660E1}" type="datetimeFigureOut">
               <a:rPr lang="en-US" smtClean="0"/>
-              <a:t>6/1/2018</a:t>
+              <a:t>6/2/2018</a:t>
             </a:fld>
             <a:endParaRPr lang="en-US"/>
           </a:p>
@@ -3274,17 +3274,17 @@
           </a:prstGeom>
         </p:spPr>
         <p:style>
-          <a:lnRef idx="3">
-            <a:schemeClr val="lt1"/>
+          <a:lnRef idx="2">
+            <a:schemeClr val="accent6"/>
           </a:lnRef>
           <a:fillRef idx="1">
-            <a:schemeClr val="accent6"/>
+            <a:schemeClr val="lt1"/>
           </a:fillRef>
-          <a:effectRef idx="1">
+          <a:effectRef idx="0">
             <a:schemeClr val="accent6"/>
           </a:effectRef>
           <a:fontRef idx="minor">
-            <a:schemeClr val="lt1"/>
+            <a:schemeClr val="dk1"/>
           </a:fontRef>
         </p:style>
         <p:txBody>
@@ -3294,20 +3294,9 @@
             <a:pPr algn="ctr"/>
             <a:r>
               <a:rPr lang="en-US" dirty="0" smtClean="0"/>
-              <a:t>Coolstore GW</a:t>
-            </a:r>
-          </a:p>
-          <a:p>
-            <a:pPr algn="ctr"/>
-            <a:r>
-              <a:rPr lang="en-US" dirty="0" smtClean="0"/>
-              <a:t>ingress-</a:t>
-            </a:r>
-            <a:r>
-              <a:rPr lang="en-US" dirty="0" err="1" smtClean="0"/>
-              <a:t>nginx</a:t>
-            </a:r>
-            <a:endParaRPr lang="en-US" dirty="0"/>
+              <a:t>Gateway</a:t>
+            </a:r>
+            <a:endParaRPr lang="en-US" dirty="0" smtClean="0"/>
           </a:p>
         </p:txBody>
       </p:sp>
@@ -3328,18 +3317,16 @@
         </p:spPr>
         <p:style>
           <a:lnRef idx="2">
-            <a:schemeClr val="accent1">
-              <a:shade val="50000"/>
-            </a:schemeClr>
+            <a:schemeClr val="accent3"/>
           </a:lnRef>
           <a:fillRef idx="1">
-            <a:schemeClr val="accent1"/>
+            <a:schemeClr val="lt1"/>
           </a:fillRef>
           <a:effectRef idx="0">
-            <a:schemeClr val="accent1"/>
+            <a:schemeClr val="accent3"/>
           </a:effectRef>
           <a:fontRef idx="minor">
-            <a:schemeClr val="lt1"/>
+            <a:schemeClr val="dk1"/>
           </a:fontRef>
         </p:style>
         <p:txBody>
@@ -3372,18 +3359,16 @@
         </p:spPr>
         <p:style>
           <a:lnRef idx="2">
-            <a:schemeClr val="accent1">
-              <a:shade val="50000"/>
-            </a:schemeClr>
+            <a:schemeClr val="accent4"/>
           </a:lnRef>
           <a:fillRef idx="1">
-            <a:schemeClr val="accent1"/>
+            <a:schemeClr val="lt1"/>
           </a:fillRef>
           <a:effectRef idx="0">
-            <a:schemeClr val="accent1"/>
+            <a:schemeClr val="accent4"/>
           </a:effectRef>
           <a:fontRef idx="minor">
-            <a:schemeClr val="lt1"/>
+            <a:schemeClr val="dk1"/>
           </a:fontRef>
         </p:style>
         <p:txBody>
@@ -3416,18 +3401,16 @@
         </p:spPr>
         <p:style>
           <a:lnRef idx="2">
-            <a:schemeClr val="accent1">
-              <a:shade val="50000"/>
-            </a:schemeClr>
+            <a:schemeClr val="accent4"/>
           </a:lnRef>
           <a:fillRef idx="1">
-            <a:schemeClr val="accent1"/>
+            <a:schemeClr val="lt1"/>
           </a:fillRef>
           <a:effectRef idx="0">
-            <a:schemeClr val="accent1"/>
+            <a:schemeClr val="accent4"/>
           </a:effectRef>
           <a:fontRef idx="minor">
-            <a:schemeClr val="lt1"/>
+            <a:schemeClr val="dk1"/>
           </a:fontRef>
         </p:style>
         <p:txBody>
@@ -3460,18 +3443,16 @@
         </p:spPr>
         <p:style>
           <a:lnRef idx="2">
-            <a:schemeClr val="accent1">
-              <a:shade val="50000"/>
-            </a:schemeClr>
+            <a:schemeClr val="accent3"/>
           </a:lnRef>
           <a:fillRef idx="1">
-            <a:schemeClr val="accent1"/>
+            <a:schemeClr val="lt1"/>
           </a:fillRef>
           <a:effectRef idx="0">
-            <a:schemeClr val="accent1"/>
+            <a:schemeClr val="accent3"/>
           </a:effectRef>
           <a:fontRef idx="minor">
-            <a:schemeClr val="lt1"/>
+            <a:schemeClr val="dk1"/>
           </a:fontRef>
         </p:style>
         <p:txBody>
@@ -3504,18 +3485,16 @@
         </p:spPr>
         <p:style>
           <a:lnRef idx="2">
-            <a:schemeClr val="accent1">
-              <a:shade val="50000"/>
-            </a:schemeClr>
+            <a:schemeClr val="accent4"/>
           </a:lnRef>
           <a:fillRef idx="1">
-            <a:schemeClr val="accent1"/>
+            <a:schemeClr val="lt1"/>
           </a:fillRef>
           <a:effectRef idx="0">
-            <a:schemeClr val="accent1"/>
+            <a:schemeClr val="accent4"/>
           </a:effectRef>
           <a:fontRef idx="minor">
-            <a:schemeClr val="lt1"/>
+            <a:schemeClr val="dk1"/>
           </a:fontRef>
         </p:style>
         <p:txBody>
@@ -3548,18 +3527,16 @@
         </p:spPr>
         <p:style>
           <a:lnRef idx="2">
-            <a:schemeClr val="accent1">
-              <a:shade val="50000"/>
-            </a:schemeClr>
+            <a:schemeClr val="accent4"/>
           </a:lnRef>
           <a:fillRef idx="1">
-            <a:schemeClr val="accent1"/>
+            <a:schemeClr val="lt1"/>
           </a:fillRef>
           <a:effectRef idx="0">
-            <a:schemeClr val="accent1"/>
+            <a:schemeClr val="accent4"/>
           </a:effectRef>
           <a:fontRef idx="minor">
-            <a:schemeClr val="lt1"/>
+            <a:schemeClr val="dk1"/>
           </a:fontRef>
         </p:style>
         <p:txBody>
@@ -4258,18 +4235,16 @@
         </p:spPr>
         <p:style>
           <a:lnRef idx="2">
-            <a:schemeClr val="accent1">
-              <a:shade val="50000"/>
-            </a:schemeClr>
+            <a:schemeClr val="accent4"/>
           </a:lnRef>
           <a:fillRef idx="1">
-            <a:schemeClr val="accent1"/>
+            <a:schemeClr val="lt1"/>
           </a:fillRef>
           <a:effectRef idx="0">
-            <a:schemeClr val="accent1"/>
+            <a:schemeClr val="accent4"/>
           </a:effectRef>
           <a:fontRef idx="minor">
-            <a:schemeClr val="lt1"/>
+            <a:schemeClr val="dk1"/>
           </a:fontRef>
         </p:style>
         <p:txBody>
@@ -4277,10 +4252,6 @@
           <a:lstStyle/>
           <a:p>
             <a:pPr algn="ctr"/>
-            <a:r>
-              <a:rPr lang="en-US" dirty="0" smtClean="0"/>
-              <a:t>IDP</a:t>
-            </a:r>
             <a:endParaRPr lang="en-US" dirty="0"/>
           </a:p>
         </p:txBody>
@@ -4401,7 +4372,7 @@
       </p:cxnSp>
       <p:pic>
         <p:nvPicPr>
-          <p:cNvPr id="56" name="Picture 55"/>
+          <p:cNvPr id="63" name="Picture 62"/>
           <p:cNvPicPr>
             <a:picLocks noChangeAspect="1"/>
           </p:cNvPicPr>
@@ -4421,8 +4392,8 @@
         </p:blipFill>
         <p:spPr>
           <a:xfrm>
-            <a:off x="2590800" y="4038600"/>
-            <a:ext cx="504825" cy="507069"/>
+            <a:off x="3932397" y="730376"/>
+            <a:ext cx="230028" cy="259430"/>
           </a:xfrm>
           <a:prstGeom prst="rect">
             <a:avLst/>
@@ -4431,187 +4402,7 @@
       </p:pic>
       <p:pic>
         <p:nvPicPr>
-          <p:cNvPr id="57" name="Picture 56"/>
-          <p:cNvPicPr>
-            <a:picLocks noChangeAspect="1"/>
-          </p:cNvPicPr>
-          <p:nvPr/>
-        </p:nvPicPr>
-        <p:blipFill>
-          <a:blip r:embed="rId3" cstate="print">
-            <a:extLst>
-              <a:ext uri="{28A0092B-C50C-407E-A947-70E740481C1C}">
-                <a14:useLocalDpi xmlns:a14="http://schemas.microsoft.com/office/drawing/2010/main" val="0"/>
-              </a:ext>
-            </a:extLst>
-          </a:blip>
-          <a:stretch>
-            <a:fillRect/>
-          </a:stretch>
-        </p:blipFill>
-        <p:spPr>
-          <a:xfrm>
-            <a:off x="1019175" y="4038600"/>
-            <a:ext cx="504825" cy="507069"/>
-          </a:xfrm>
-          <a:prstGeom prst="rect">
-            <a:avLst/>
-          </a:prstGeom>
-        </p:spPr>
-      </p:pic>
-      <p:pic>
-        <p:nvPicPr>
-          <p:cNvPr id="58" name="Picture 57"/>
-          <p:cNvPicPr>
-            <a:picLocks noChangeAspect="1"/>
-          </p:cNvPicPr>
-          <p:nvPr/>
-        </p:nvPicPr>
-        <p:blipFill>
-          <a:blip r:embed="rId3" cstate="print">
-            <a:extLst>
-              <a:ext uri="{28A0092B-C50C-407E-A947-70E740481C1C}">
-                <a14:useLocalDpi xmlns:a14="http://schemas.microsoft.com/office/drawing/2010/main" val="0"/>
-              </a:ext>
-            </a:extLst>
-          </a:blip>
-          <a:stretch>
-            <a:fillRect/>
-          </a:stretch>
-        </p:blipFill>
-        <p:spPr>
-          <a:xfrm>
-            <a:off x="4067175" y="4064931"/>
-            <a:ext cx="504825" cy="507069"/>
-          </a:xfrm>
-          <a:prstGeom prst="rect">
-            <a:avLst/>
-          </a:prstGeom>
-        </p:spPr>
-      </p:pic>
-      <p:pic>
-        <p:nvPicPr>
-          <p:cNvPr id="59" name="Picture 58"/>
-          <p:cNvPicPr>
-            <a:picLocks noChangeAspect="1"/>
-          </p:cNvPicPr>
-          <p:nvPr/>
-        </p:nvPicPr>
-        <p:blipFill>
-          <a:blip r:embed="rId3" cstate="print">
-            <a:extLst>
-              <a:ext uri="{28A0092B-C50C-407E-A947-70E740481C1C}">
-                <a14:useLocalDpi xmlns:a14="http://schemas.microsoft.com/office/drawing/2010/main" val="0"/>
-              </a:ext>
-            </a:extLst>
-          </a:blip>
-          <a:stretch>
-            <a:fillRect/>
-          </a:stretch>
-        </p:blipFill>
-        <p:spPr>
-          <a:xfrm>
-            <a:off x="5791200" y="4060888"/>
-            <a:ext cx="504825" cy="507069"/>
-          </a:xfrm>
-          <a:prstGeom prst="rect">
-            <a:avLst/>
-          </a:prstGeom>
-        </p:spPr>
-      </p:pic>
-      <p:pic>
-        <p:nvPicPr>
-          <p:cNvPr id="60" name="Picture 59"/>
-          <p:cNvPicPr>
-            <a:picLocks noChangeAspect="1"/>
-          </p:cNvPicPr>
-          <p:nvPr/>
-        </p:nvPicPr>
-        <p:blipFill>
-          <a:blip r:embed="rId3" cstate="print">
-            <a:extLst>
-              <a:ext uri="{28A0092B-C50C-407E-A947-70E740481C1C}">
-                <a14:useLocalDpi xmlns:a14="http://schemas.microsoft.com/office/drawing/2010/main" val="0"/>
-              </a:ext>
-            </a:extLst>
-          </a:blip>
-          <a:stretch>
-            <a:fillRect/>
-          </a:stretch>
-        </p:blipFill>
-        <p:spPr>
-          <a:xfrm>
-            <a:off x="7162800" y="4038599"/>
-            <a:ext cx="504825" cy="507069"/>
-          </a:xfrm>
-          <a:prstGeom prst="rect">
-            <a:avLst/>
-          </a:prstGeom>
-        </p:spPr>
-      </p:pic>
-      <p:pic>
-        <p:nvPicPr>
-          <p:cNvPr id="61" name="Picture 60"/>
-          <p:cNvPicPr>
-            <a:picLocks noChangeAspect="1"/>
-          </p:cNvPicPr>
-          <p:nvPr/>
-        </p:nvPicPr>
-        <p:blipFill>
-          <a:blip r:embed="rId3" cstate="print">
-            <a:extLst>
-              <a:ext uri="{28A0092B-C50C-407E-A947-70E740481C1C}">
-                <a14:useLocalDpi xmlns:a14="http://schemas.microsoft.com/office/drawing/2010/main" val="0"/>
-              </a:ext>
-            </a:extLst>
-          </a:blip>
-          <a:stretch>
-            <a:fillRect/>
-          </a:stretch>
-        </p:blipFill>
-        <p:spPr>
-          <a:xfrm>
-            <a:off x="8458200" y="4141131"/>
-            <a:ext cx="504825" cy="507069"/>
-          </a:xfrm>
-          <a:prstGeom prst="rect">
-            <a:avLst/>
-          </a:prstGeom>
-        </p:spPr>
-      </p:pic>
-      <p:pic>
-        <p:nvPicPr>
-          <p:cNvPr id="62" name="Picture 61"/>
-          <p:cNvPicPr>
-            <a:picLocks noChangeAspect="1"/>
-          </p:cNvPicPr>
-          <p:nvPr/>
-        </p:nvPicPr>
-        <p:blipFill>
-          <a:blip r:embed="rId3" cstate="print">
-            <a:extLst>
-              <a:ext uri="{28A0092B-C50C-407E-A947-70E740481C1C}">
-                <a14:useLocalDpi xmlns:a14="http://schemas.microsoft.com/office/drawing/2010/main" val="0"/>
-              </a:ext>
-            </a:extLst>
-          </a:blip>
-          <a:stretch>
-            <a:fillRect/>
-          </a:stretch>
-        </p:blipFill>
-        <p:spPr>
-          <a:xfrm>
-            <a:off x="6323012" y="2501433"/>
-            <a:ext cx="504825" cy="507069"/>
-          </a:xfrm>
-          <a:prstGeom prst="rect">
-            <a:avLst/>
-          </a:prstGeom>
-        </p:spPr>
-      </p:pic>
-      <p:pic>
-        <p:nvPicPr>
-          <p:cNvPr id="63" name="Picture 62"/>
+          <p:cNvPr id="41" name="Picture 40"/>
           <p:cNvPicPr>
             <a:picLocks noChangeAspect="1"/>
           </p:cNvPicPr>
@@ -4631,8 +4422,278 @@
         </p:blipFill>
         <p:spPr>
           <a:xfrm>
-            <a:off x="3808572" y="794544"/>
-            <a:ext cx="274478" cy="309562"/>
+            <a:off x="1170367" y="4125363"/>
+            <a:ext cx="172255" cy="194273"/>
+          </a:xfrm>
+          <a:prstGeom prst="rect">
+            <a:avLst/>
+          </a:prstGeom>
+        </p:spPr>
+      </p:pic>
+      <p:pic>
+        <p:nvPicPr>
+          <p:cNvPr id="43" name="Picture 42"/>
+          <p:cNvPicPr>
+            <a:picLocks noChangeAspect="1"/>
+          </p:cNvPicPr>
+          <p:nvPr/>
+        </p:nvPicPr>
+        <p:blipFill>
+          <a:blip r:embed="rId4" cstate="print">
+            <a:extLst>
+              <a:ext uri="{28A0092B-C50C-407E-A947-70E740481C1C}">
+                <a14:useLocalDpi xmlns:a14="http://schemas.microsoft.com/office/drawing/2010/main" val="0"/>
+              </a:ext>
+            </a:extLst>
+          </a:blip>
+          <a:stretch>
+            <a:fillRect/>
+          </a:stretch>
+        </p:blipFill>
+        <p:spPr>
+          <a:xfrm>
+            <a:off x="5961845" y="4106323"/>
+            <a:ext cx="172255" cy="194273"/>
+          </a:xfrm>
+          <a:prstGeom prst="rect">
+            <a:avLst/>
+          </a:prstGeom>
+        </p:spPr>
+      </p:pic>
+      <p:pic>
+        <p:nvPicPr>
+          <p:cNvPr id="2" name="Picture 1"/>
+          <p:cNvPicPr>
+            <a:picLocks noChangeAspect="1"/>
+          </p:cNvPicPr>
+          <p:nvPr/>
+        </p:nvPicPr>
+        <p:blipFill>
+          <a:blip r:embed="rId5" cstate="print">
+            <a:extLst>
+              <a:ext uri="{28A0092B-C50C-407E-A947-70E740481C1C}">
+                <a14:useLocalDpi xmlns:a14="http://schemas.microsoft.com/office/drawing/2010/main" val="0"/>
+              </a:ext>
+            </a:extLst>
+          </a:blip>
+          <a:stretch>
+            <a:fillRect/>
+          </a:stretch>
+        </p:blipFill>
+        <p:spPr>
+          <a:xfrm>
+            <a:off x="4273550" y="4106323"/>
+            <a:ext cx="209531" cy="209531"/>
+          </a:xfrm>
+          <a:prstGeom prst="rect">
+            <a:avLst/>
+          </a:prstGeom>
+        </p:spPr>
+      </p:pic>
+      <p:pic>
+        <p:nvPicPr>
+          <p:cNvPr id="47" name="Picture 46"/>
+          <p:cNvPicPr>
+            <a:picLocks noChangeAspect="1"/>
+          </p:cNvPicPr>
+          <p:nvPr/>
+        </p:nvPicPr>
+        <p:blipFill>
+          <a:blip r:embed="rId5" cstate="print">
+            <a:extLst>
+              <a:ext uri="{28A0092B-C50C-407E-A947-70E740481C1C}">
+                <a14:useLocalDpi xmlns:a14="http://schemas.microsoft.com/office/drawing/2010/main" val="0"/>
+              </a:ext>
+            </a:extLst>
+          </a:blip>
+          <a:stretch>
+            <a:fillRect/>
+          </a:stretch>
+        </p:blipFill>
+        <p:spPr>
+          <a:xfrm>
+            <a:off x="7315200" y="4121169"/>
+            <a:ext cx="209531" cy="209531"/>
+          </a:xfrm>
+          <a:prstGeom prst="rect">
+            <a:avLst/>
+          </a:prstGeom>
+        </p:spPr>
+      </p:pic>
+      <p:pic>
+        <p:nvPicPr>
+          <p:cNvPr id="48" name="Picture 47"/>
+          <p:cNvPicPr>
+            <a:picLocks noChangeAspect="1"/>
+          </p:cNvPicPr>
+          <p:nvPr/>
+        </p:nvPicPr>
+        <p:blipFill>
+          <a:blip r:embed="rId5" cstate="print">
+            <a:extLst>
+              <a:ext uri="{28A0092B-C50C-407E-A947-70E740481C1C}">
+                <a14:useLocalDpi xmlns:a14="http://schemas.microsoft.com/office/drawing/2010/main" val="0"/>
+              </a:ext>
+            </a:extLst>
+          </a:blip>
+          <a:stretch>
+            <a:fillRect/>
+          </a:stretch>
+        </p:blipFill>
+        <p:spPr>
+          <a:xfrm>
+            <a:off x="8696334" y="4117592"/>
+            <a:ext cx="209531" cy="209531"/>
+          </a:xfrm>
+          <a:prstGeom prst="rect">
+            <a:avLst/>
+          </a:prstGeom>
+        </p:spPr>
+      </p:pic>
+      <p:pic>
+        <p:nvPicPr>
+          <p:cNvPr id="49" name="Picture 48"/>
+          <p:cNvPicPr>
+            <a:picLocks noChangeAspect="1"/>
+          </p:cNvPicPr>
+          <p:nvPr/>
+        </p:nvPicPr>
+        <p:blipFill>
+          <a:blip r:embed="rId5" cstate="print">
+            <a:extLst>
+              <a:ext uri="{28A0092B-C50C-407E-A947-70E740481C1C}">
+                <a14:useLocalDpi xmlns:a14="http://schemas.microsoft.com/office/drawing/2010/main" val="0"/>
+              </a:ext>
+            </a:extLst>
+          </a:blip>
+          <a:stretch>
+            <a:fillRect/>
+          </a:stretch>
+        </p:blipFill>
+        <p:spPr>
+          <a:xfrm>
+            <a:off x="6407150" y="2596776"/>
+            <a:ext cx="209531" cy="209531"/>
+          </a:xfrm>
+          <a:prstGeom prst="rect">
+            <a:avLst/>
+          </a:prstGeom>
+        </p:spPr>
+      </p:pic>
+      <p:pic>
+        <p:nvPicPr>
+          <p:cNvPr id="51" name="Picture 50"/>
+          <p:cNvPicPr>
+            <a:picLocks noChangeAspect="1"/>
+          </p:cNvPicPr>
+          <p:nvPr/>
+        </p:nvPicPr>
+        <p:blipFill>
+          <a:blip r:embed="rId5" cstate="print">
+            <a:extLst>
+              <a:ext uri="{28A0092B-C50C-407E-A947-70E740481C1C}">
+                <a14:useLocalDpi xmlns:a14="http://schemas.microsoft.com/office/drawing/2010/main" val="0"/>
+              </a:ext>
+            </a:extLst>
+          </a:blip>
+          <a:stretch>
+            <a:fillRect/>
+          </a:stretch>
+        </p:blipFill>
+        <p:spPr>
+          <a:xfrm>
+            <a:off x="2702259" y="4095367"/>
+            <a:ext cx="209531" cy="209531"/>
+          </a:xfrm>
+          <a:prstGeom prst="rect">
+            <a:avLst/>
+          </a:prstGeom>
+        </p:spPr>
+      </p:pic>
+      <p:pic>
+        <p:nvPicPr>
+          <p:cNvPr id="3" name="Picture 2"/>
+          <p:cNvPicPr>
+            <a:picLocks noChangeAspect="1"/>
+          </p:cNvPicPr>
+          <p:nvPr/>
+        </p:nvPicPr>
+        <p:blipFill>
+          <a:blip r:embed="rId6" cstate="print">
+            <a:extLst>
+              <a:ext uri="{28A0092B-C50C-407E-A947-70E740481C1C}">
+                <a14:useLocalDpi xmlns:a14="http://schemas.microsoft.com/office/drawing/2010/main" val="0"/>
+              </a:ext>
+            </a:extLst>
+          </a:blip>
+          <a:stretch>
+            <a:fillRect/>
+          </a:stretch>
+        </p:blipFill>
+        <p:spPr>
+          <a:xfrm>
+            <a:off x="3657600" y="2811175"/>
+            <a:ext cx="495300" cy="113000"/>
+          </a:xfrm>
+          <a:prstGeom prst="rect">
+            <a:avLst/>
+          </a:prstGeom>
+        </p:spPr>
+      </p:pic>
+      <p:pic>
+        <p:nvPicPr>
+          <p:cNvPr id="4" name="Picture 3"/>
+          <p:cNvPicPr>
+            <a:picLocks noChangeAspect="1"/>
+          </p:cNvPicPr>
+          <p:nvPr/>
+        </p:nvPicPr>
+        <p:blipFill>
+          <a:blip r:embed="rId7" cstate="print">
+            <a:extLst>
+              <a:ext uri="{28A0092B-C50C-407E-A947-70E740481C1C}">
+                <a14:useLocalDpi xmlns:a14="http://schemas.microsoft.com/office/drawing/2010/main" val="0"/>
+              </a:ext>
+            </a:extLst>
+          </a:blip>
+          <a:stretch>
+            <a:fillRect/>
+          </a:stretch>
+        </p:blipFill>
+        <p:spPr>
+          <a:xfrm>
+            <a:off x="5837884" y="2257425"/>
+            <a:ext cx="626406" cy="424390"/>
+          </a:xfrm>
+          <a:prstGeom prst="rect">
+            <a:avLst/>
+          </a:prstGeom>
+        </p:spPr>
+      </p:pic>
+      <p:pic>
+        <p:nvPicPr>
+          <p:cNvPr id="17" name="Picture 16"/>
+          <p:cNvPicPr>
+            <a:picLocks noChangeAspect="1"/>
+          </p:cNvPicPr>
+          <p:nvPr/>
+        </p:nvPicPr>
+        <p:blipFill>
+          <a:blip r:embed="rId8" cstate="print">
+            <a:extLst>
+              <a:ext uri="{28A0092B-C50C-407E-A947-70E740481C1C}">
+                <a14:useLocalDpi xmlns:a14="http://schemas.microsoft.com/office/drawing/2010/main" val="0"/>
+              </a:ext>
+            </a:extLst>
+          </a:blip>
+          <a:stretch>
+            <a:fillRect/>
+          </a:stretch>
+        </p:blipFill>
+        <p:spPr>
+          <a:xfrm>
+            <a:off x="2496355" y="756121"/>
+            <a:ext cx="177329" cy="177329"/>
           </a:xfrm>
           <a:prstGeom prst="rect">
             <a:avLst/>

--- a/assets/Diagram.pptx
+++ b/assets/Diagram.pptx
@@ -7,6 +7,7 @@
   <p:sldIdLst>
     <p:sldId id="256" r:id="rId2"/>
     <p:sldId id="257" r:id="rId3"/>
+    <p:sldId id="258" r:id="rId4"/>
   </p:sldIdLst>
   <p:sldSz cx="9144000" cy="6858000" type="screen4x3"/>
   <p:notesSz cx="6858000" cy="9144000"/>
@@ -105,7 +106,27 @@
       </a:defRPr>
     </a:lvl9pPr>
   </p:defaultTextStyle>
+  <p:extLst>
+    <p:ext uri="{EFAFB233-063F-42B5-8137-9DF3F51BA10A}">
+      <p15:sldGuideLst xmlns:p15="http://schemas.microsoft.com/office/powerpoint/2012/main">
+        <p15:guide id="1" orient="horz" pos="2160">
+          <p15:clr>
+            <a:srgbClr val="A4A3A4"/>
+          </p15:clr>
+        </p15:guide>
+        <p15:guide id="2" pos="2880">
+          <p15:clr>
+            <a:srgbClr val="A4A3A4"/>
+          </p15:clr>
+        </p15:guide>
+      </p15:sldGuideLst>
+    </p:ext>
+  </p:extLst>
 </p:presentation>
+</file>
+
+<file path=ppt/revisionInfo.xml><?xml version="1.0" encoding="utf-8"?>
+<p1510:revInfo xmlns:a="http://schemas.openxmlformats.org/drawingml/2006/main" xmlns:r="http://schemas.openxmlformats.org/officeDocument/2006/relationships" xmlns:p1510="http://schemas.microsoft.com/office/powerpoint/2015/10/main"/>
 </file>
 
 <file path=ppt/slideLayouts/slideLayout1.xml><?xml version="1.0" encoding="utf-8"?>
@@ -146,10 +167,9 @@
           <a:lstStyle/>
           <a:p>
             <a:r>
-              <a:rPr lang="en-US" smtClean="0"/>
+              <a:rPr lang="en-US"/>
               <a:t>Click to edit Master title style</a:t>
             </a:r>
-            <a:endParaRPr lang="en-US"/>
           </a:p>
         </p:txBody>
       </p:sp>
@@ -265,10 +285,9 @@
           </a:lstStyle>
           <a:p>
             <a:r>
-              <a:rPr lang="en-US" smtClean="0"/>
+              <a:rPr lang="en-US"/>
               <a:t>Click to edit Master subtitle style</a:t>
             </a:r>
-            <a:endParaRPr lang="en-US"/>
           </a:p>
         </p:txBody>
       </p:sp>
@@ -289,7 +308,7 @@
           <a:p>
             <a:fld id="{6DB206C8-F88B-4959-9CD2-3016D27660E1}" type="datetimeFigureOut">
               <a:rPr lang="en-US" smtClean="0"/>
-              <a:t>6/2/2018</a:t>
+              <a:t>6/22/2018</a:t>
             </a:fld>
             <a:endParaRPr lang="en-US"/>
           </a:p>
@@ -383,10 +402,9 @@
           <a:lstStyle/>
           <a:p>
             <a:r>
-              <a:rPr lang="en-US" smtClean="0"/>
+              <a:rPr lang="en-US"/>
               <a:t>Click to edit Master title style</a:t>
             </a:r>
-            <a:endParaRPr lang="en-US"/>
           </a:p>
         </p:txBody>
       </p:sp>
@@ -407,38 +425,37 @@
           <a:p>
             <a:pPr lvl="0"/>
             <a:r>
-              <a:rPr lang="en-US" smtClean="0"/>
+              <a:rPr lang="en-US"/>
               <a:t>Click to edit Master text styles</a:t>
             </a:r>
           </a:p>
           <a:p>
             <a:pPr lvl="1"/>
             <a:r>
-              <a:rPr lang="en-US" smtClean="0"/>
+              <a:rPr lang="en-US"/>
               <a:t>Second level</a:t>
             </a:r>
           </a:p>
           <a:p>
             <a:pPr lvl="2"/>
             <a:r>
-              <a:rPr lang="en-US" smtClean="0"/>
+              <a:rPr lang="en-US"/>
               <a:t>Third level</a:t>
             </a:r>
           </a:p>
           <a:p>
             <a:pPr lvl="3"/>
             <a:r>
-              <a:rPr lang="en-US" smtClean="0"/>
+              <a:rPr lang="en-US"/>
               <a:t>Fourth level</a:t>
             </a:r>
           </a:p>
           <a:p>
             <a:pPr lvl="4"/>
             <a:r>
-              <a:rPr lang="en-US" smtClean="0"/>
+              <a:rPr lang="en-US"/>
               <a:t>Fifth level</a:t>
             </a:r>
-            <a:endParaRPr lang="en-US"/>
           </a:p>
         </p:txBody>
       </p:sp>
@@ -459,7 +476,7 @@
           <a:p>
             <a:fld id="{6DB206C8-F88B-4959-9CD2-3016D27660E1}" type="datetimeFigureOut">
               <a:rPr lang="en-US" smtClean="0"/>
-              <a:t>6/2/2018</a:t>
+              <a:t>6/22/2018</a:t>
             </a:fld>
             <a:endParaRPr lang="en-US"/>
           </a:p>
@@ -558,10 +575,9 @@
           <a:lstStyle/>
           <a:p>
             <a:r>
-              <a:rPr lang="en-US" smtClean="0"/>
+              <a:rPr lang="en-US"/>
               <a:t>Click to edit Master title style</a:t>
             </a:r>
-            <a:endParaRPr lang="en-US"/>
           </a:p>
         </p:txBody>
       </p:sp>
@@ -587,38 +603,37 @@
           <a:p>
             <a:pPr lvl="0"/>
             <a:r>
-              <a:rPr lang="en-US" smtClean="0"/>
+              <a:rPr lang="en-US"/>
               <a:t>Click to edit Master text styles</a:t>
             </a:r>
           </a:p>
           <a:p>
             <a:pPr lvl="1"/>
             <a:r>
-              <a:rPr lang="en-US" smtClean="0"/>
+              <a:rPr lang="en-US"/>
               <a:t>Second level</a:t>
             </a:r>
           </a:p>
           <a:p>
             <a:pPr lvl="2"/>
             <a:r>
-              <a:rPr lang="en-US" smtClean="0"/>
+              <a:rPr lang="en-US"/>
               <a:t>Third level</a:t>
             </a:r>
           </a:p>
           <a:p>
             <a:pPr lvl="3"/>
             <a:r>
-              <a:rPr lang="en-US" smtClean="0"/>
+              <a:rPr lang="en-US"/>
               <a:t>Fourth level</a:t>
             </a:r>
           </a:p>
           <a:p>
             <a:pPr lvl="4"/>
             <a:r>
-              <a:rPr lang="en-US" smtClean="0"/>
+              <a:rPr lang="en-US"/>
               <a:t>Fifth level</a:t>
             </a:r>
-            <a:endParaRPr lang="en-US"/>
           </a:p>
         </p:txBody>
       </p:sp>
@@ -639,7 +654,7 @@
           <a:p>
             <a:fld id="{6DB206C8-F88B-4959-9CD2-3016D27660E1}" type="datetimeFigureOut">
               <a:rPr lang="en-US" smtClean="0"/>
-              <a:t>6/2/2018</a:t>
+              <a:t>6/22/2018</a:t>
             </a:fld>
             <a:endParaRPr lang="en-US"/>
           </a:p>
@@ -733,10 +748,9 @@
           <a:lstStyle/>
           <a:p>
             <a:r>
-              <a:rPr lang="en-US" smtClean="0"/>
+              <a:rPr lang="en-US"/>
               <a:t>Click to edit Master title style</a:t>
             </a:r>
-            <a:endParaRPr lang="en-US"/>
           </a:p>
         </p:txBody>
       </p:sp>
@@ -757,38 +771,37 @@
           <a:p>
             <a:pPr lvl="0"/>
             <a:r>
-              <a:rPr lang="en-US" smtClean="0"/>
+              <a:rPr lang="en-US"/>
               <a:t>Click to edit Master text styles</a:t>
             </a:r>
           </a:p>
           <a:p>
             <a:pPr lvl="1"/>
             <a:r>
-              <a:rPr lang="en-US" smtClean="0"/>
+              <a:rPr lang="en-US"/>
               <a:t>Second level</a:t>
             </a:r>
           </a:p>
           <a:p>
             <a:pPr lvl="2"/>
             <a:r>
-              <a:rPr lang="en-US" smtClean="0"/>
+              <a:rPr lang="en-US"/>
               <a:t>Third level</a:t>
             </a:r>
           </a:p>
           <a:p>
             <a:pPr lvl="3"/>
             <a:r>
-              <a:rPr lang="en-US" smtClean="0"/>
+              <a:rPr lang="en-US"/>
               <a:t>Fourth level</a:t>
             </a:r>
           </a:p>
           <a:p>
             <a:pPr lvl="4"/>
             <a:r>
-              <a:rPr lang="en-US" smtClean="0"/>
+              <a:rPr lang="en-US"/>
               <a:t>Fifth level</a:t>
             </a:r>
-            <a:endParaRPr lang="en-US"/>
           </a:p>
         </p:txBody>
       </p:sp>
@@ -809,7 +822,7 @@
           <a:p>
             <a:fld id="{6DB206C8-F88B-4959-9CD2-3016D27660E1}" type="datetimeFigureOut">
               <a:rPr lang="en-US" smtClean="0"/>
-              <a:t>6/2/2018</a:t>
+              <a:t>6/22/2018</a:t>
             </a:fld>
             <a:endParaRPr lang="en-US"/>
           </a:p>
@@ -912,10 +925,9 @@
           </a:lstStyle>
           <a:p>
             <a:r>
-              <a:rPr lang="en-US" smtClean="0"/>
+              <a:rPr lang="en-US"/>
               <a:t>Click to edit Master title style</a:t>
             </a:r>
-            <a:endParaRPr lang="en-US"/>
           </a:p>
         </p:txBody>
       </p:sp>
@@ -1032,7 +1044,7 @@
           <a:p>
             <a:pPr lvl="0"/>
             <a:r>
-              <a:rPr lang="en-US" smtClean="0"/>
+              <a:rPr lang="en-US"/>
               <a:t>Click to edit Master text styles</a:t>
             </a:r>
           </a:p>
@@ -1055,7 +1067,7 @@
           <a:p>
             <a:fld id="{6DB206C8-F88B-4959-9CD2-3016D27660E1}" type="datetimeFigureOut">
               <a:rPr lang="en-US" smtClean="0"/>
-              <a:t>6/2/2018</a:t>
+              <a:t>6/22/2018</a:t>
             </a:fld>
             <a:endParaRPr lang="en-US"/>
           </a:p>
@@ -1149,10 +1161,9 @@
           <a:lstStyle/>
           <a:p>
             <a:r>
-              <a:rPr lang="en-US" smtClean="0"/>
+              <a:rPr lang="en-US"/>
               <a:t>Click to edit Master title style</a:t>
             </a:r>
-            <a:endParaRPr lang="en-US"/>
           </a:p>
         </p:txBody>
       </p:sp>
@@ -1206,38 +1217,37 @@
           <a:p>
             <a:pPr lvl="0"/>
             <a:r>
-              <a:rPr lang="en-US" smtClean="0"/>
+              <a:rPr lang="en-US"/>
               <a:t>Click to edit Master text styles</a:t>
             </a:r>
           </a:p>
           <a:p>
             <a:pPr lvl="1"/>
             <a:r>
-              <a:rPr lang="en-US" smtClean="0"/>
+              <a:rPr lang="en-US"/>
               <a:t>Second level</a:t>
             </a:r>
           </a:p>
           <a:p>
             <a:pPr lvl="2"/>
             <a:r>
-              <a:rPr lang="en-US" smtClean="0"/>
+              <a:rPr lang="en-US"/>
               <a:t>Third level</a:t>
             </a:r>
           </a:p>
           <a:p>
             <a:pPr lvl="3"/>
             <a:r>
-              <a:rPr lang="en-US" smtClean="0"/>
+              <a:rPr lang="en-US"/>
               <a:t>Fourth level</a:t>
             </a:r>
           </a:p>
           <a:p>
             <a:pPr lvl="4"/>
             <a:r>
-              <a:rPr lang="en-US" smtClean="0"/>
+              <a:rPr lang="en-US"/>
               <a:t>Fifth level</a:t>
             </a:r>
-            <a:endParaRPr lang="en-US"/>
           </a:p>
         </p:txBody>
       </p:sp>
@@ -1291,38 +1301,37 @@
           <a:p>
             <a:pPr lvl="0"/>
             <a:r>
-              <a:rPr lang="en-US" smtClean="0"/>
+              <a:rPr lang="en-US"/>
               <a:t>Click to edit Master text styles</a:t>
             </a:r>
           </a:p>
           <a:p>
             <a:pPr lvl="1"/>
             <a:r>
-              <a:rPr lang="en-US" smtClean="0"/>
+              <a:rPr lang="en-US"/>
               <a:t>Second level</a:t>
             </a:r>
           </a:p>
           <a:p>
             <a:pPr lvl="2"/>
             <a:r>
-              <a:rPr lang="en-US" smtClean="0"/>
+              <a:rPr lang="en-US"/>
               <a:t>Third level</a:t>
             </a:r>
           </a:p>
           <a:p>
             <a:pPr lvl="3"/>
             <a:r>
-              <a:rPr lang="en-US" smtClean="0"/>
+              <a:rPr lang="en-US"/>
               <a:t>Fourth level</a:t>
             </a:r>
           </a:p>
           <a:p>
             <a:pPr lvl="4"/>
             <a:r>
-              <a:rPr lang="en-US" smtClean="0"/>
+              <a:rPr lang="en-US"/>
               <a:t>Fifth level</a:t>
             </a:r>
-            <a:endParaRPr lang="en-US"/>
           </a:p>
         </p:txBody>
       </p:sp>
@@ -1343,7 +1352,7 @@
           <a:p>
             <a:fld id="{6DB206C8-F88B-4959-9CD2-3016D27660E1}" type="datetimeFigureOut">
               <a:rPr lang="en-US" smtClean="0"/>
-              <a:t>6/2/2018</a:t>
+              <a:t>6/22/2018</a:t>
             </a:fld>
             <a:endParaRPr lang="en-US"/>
           </a:p>
@@ -1441,10 +1450,9 @@
           </a:lstStyle>
           <a:p>
             <a:r>
-              <a:rPr lang="en-US" smtClean="0"/>
+              <a:rPr lang="en-US"/>
               <a:t>Click to edit Master title style</a:t>
             </a:r>
-            <a:endParaRPr lang="en-US"/>
           </a:p>
         </p:txBody>
       </p:sp>
@@ -1507,7 +1515,7 @@
           <a:p>
             <a:pPr lvl="0"/>
             <a:r>
-              <a:rPr lang="en-US" smtClean="0"/>
+              <a:rPr lang="en-US"/>
               <a:t>Click to edit Master text styles</a:t>
             </a:r>
           </a:p>
@@ -1563,38 +1571,37 @@
           <a:p>
             <a:pPr lvl="0"/>
             <a:r>
-              <a:rPr lang="en-US" smtClean="0"/>
+              <a:rPr lang="en-US"/>
               <a:t>Click to edit Master text styles</a:t>
             </a:r>
           </a:p>
           <a:p>
             <a:pPr lvl="1"/>
             <a:r>
-              <a:rPr lang="en-US" smtClean="0"/>
+              <a:rPr lang="en-US"/>
               <a:t>Second level</a:t>
             </a:r>
           </a:p>
           <a:p>
             <a:pPr lvl="2"/>
             <a:r>
-              <a:rPr lang="en-US" smtClean="0"/>
+              <a:rPr lang="en-US"/>
               <a:t>Third level</a:t>
             </a:r>
           </a:p>
           <a:p>
             <a:pPr lvl="3"/>
             <a:r>
-              <a:rPr lang="en-US" smtClean="0"/>
+              <a:rPr lang="en-US"/>
               <a:t>Fourth level</a:t>
             </a:r>
           </a:p>
           <a:p>
             <a:pPr lvl="4"/>
             <a:r>
-              <a:rPr lang="en-US" smtClean="0"/>
+              <a:rPr lang="en-US"/>
               <a:t>Fifth level</a:t>
             </a:r>
-            <a:endParaRPr lang="en-US"/>
           </a:p>
         </p:txBody>
       </p:sp>
@@ -1657,7 +1664,7 @@
           <a:p>
             <a:pPr lvl="0"/>
             <a:r>
-              <a:rPr lang="en-US" smtClean="0"/>
+              <a:rPr lang="en-US"/>
               <a:t>Click to edit Master text styles</a:t>
             </a:r>
           </a:p>
@@ -1713,38 +1720,37 @@
           <a:p>
             <a:pPr lvl="0"/>
             <a:r>
-              <a:rPr lang="en-US" smtClean="0"/>
+              <a:rPr lang="en-US"/>
               <a:t>Click to edit Master text styles</a:t>
             </a:r>
           </a:p>
           <a:p>
             <a:pPr lvl="1"/>
             <a:r>
-              <a:rPr lang="en-US" smtClean="0"/>
+              <a:rPr lang="en-US"/>
               <a:t>Second level</a:t>
             </a:r>
           </a:p>
           <a:p>
             <a:pPr lvl="2"/>
             <a:r>
-              <a:rPr lang="en-US" smtClean="0"/>
+              <a:rPr lang="en-US"/>
               <a:t>Third level</a:t>
             </a:r>
           </a:p>
           <a:p>
             <a:pPr lvl="3"/>
             <a:r>
-              <a:rPr lang="en-US" smtClean="0"/>
+              <a:rPr lang="en-US"/>
               <a:t>Fourth level</a:t>
             </a:r>
           </a:p>
           <a:p>
             <a:pPr lvl="4"/>
             <a:r>
-              <a:rPr lang="en-US" smtClean="0"/>
+              <a:rPr lang="en-US"/>
               <a:t>Fifth level</a:t>
             </a:r>
-            <a:endParaRPr lang="en-US"/>
           </a:p>
         </p:txBody>
       </p:sp>
@@ -1765,7 +1771,7 @@
           <a:p>
             <a:fld id="{6DB206C8-F88B-4959-9CD2-3016D27660E1}" type="datetimeFigureOut">
               <a:rPr lang="en-US" smtClean="0"/>
-              <a:t>6/2/2018</a:t>
+              <a:t>6/22/2018</a:t>
             </a:fld>
             <a:endParaRPr lang="en-US"/>
           </a:p>
@@ -1859,10 +1865,9 @@
           <a:lstStyle/>
           <a:p>
             <a:r>
-              <a:rPr lang="en-US" smtClean="0"/>
+              <a:rPr lang="en-US"/>
               <a:t>Click to edit Master title style</a:t>
             </a:r>
-            <a:endParaRPr lang="en-US"/>
           </a:p>
         </p:txBody>
       </p:sp>
@@ -1883,7 +1888,7 @@
           <a:p>
             <a:fld id="{6DB206C8-F88B-4959-9CD2-3016D27660E1}" type="datetimeFigureOut">
               <a:rPr lang="en-US" smtClean="0"/>
-              <a:t>6/2/2018</a:t>
+              <a:t>6/22/2018</a:t>
             </a:fld>
             <a:endParaRPr lang="en-US"/>
           </a:p>
@@ -1978,7 +1983,7 @@
           <a:p>
             <a:fld id="{6DB206C8-F88B-4959-9CD2-3016D27660E1}" type="datetimeFigureOut">
               <a:rPr lang="en-US" smtClean="0"/>
-              <a:t>6/2/2018</a:t>
+              <a:t>6/22/2018</a:t>
             </a:fld>
             <a:endParaRPr lang="en-US"/>
           </a:p>
@@ -2081,10 +2086,9 @@
           </a:lstStyle>
           <a:p>
             <a:r>
-              <a:rPr lang="en-US" smtClean="0"/>
+              <a:rPr lang="en-US"/>
               <a:t>Click to edit Master title style</a:t>
             </a:r>
-            <a:endParaRPr lang="en-US"/>
           </a:p>
         </p:txBody>
       </p:sp>
@@ -2138,38 +2142,37 @@
           <a:p>
             <a:pPr lvl="0"/>
             <a:r>
-              <a:rPr lang="en-US" smtClean="0"/>
+              <a:rPr lang="en-US"/>
               <a:t>Click to edit Master text styles</a:t>
             </a:r>
           </a:p>
           <a:p>
             <a:pPr lvl="1"/>
             <a:r>
-              <a:rPr lang="en-US" smtClean="0"/>
+              <a:rPr lang="en-US"/>
               <a:t>Second level</a:t>
             </a:r>
           </a:p>
           <a:p>
             <a:pPr lvl="2"/>
             <a:r>
-              <a:rPr lang="en-US" smtClean="0"/>
+              <a:rPr lang="en-US"/>
               <a:t>Third level</a:t>
             </a:r>
           </a:p>
           <a:p>
             <a:pPr lvl="3"/>
             <a:r>
-              <a:rPr lang="en-US" smtClean="0"/>
+              <a:rPr lang="en-US"/>
               <a:t>Fourth level</a:t>
             </a:r>
           </a:p>
           <a:p>
             <a:pPr lvl="4"/>
             <a:r>
-              <a:rPr lang="en-US" smtClean="0"/>
+              <a:rPr lang="en-US"/>
               <a:t>Fifth level</a:t>
             </a:r>
-            <a:endParaRPr lang="en-US"/>
           </a:p>
         </p:txBody>
       </p:sp>
@@ -2232,7 +2235,7 @@
           <a:p>
             <a:pPr lvl="0"/>
             <a:r>
-              <a:rPr lang="en-US" smtClean="0"/>
+              <a:rPr lang="en-US"/>
               <a:t>Click to edit Master text styles</a:t>
             </a:r>
           </a:p>
@@ -2255,7 +2258,7 @@
           <a:p>
             <a:fld id="{6DB206C8-F88B-4959-9CD2-3016D27660E1}" type="datetimeFigureOut">
               <a:rPr lang="en-US" smtClean="0"/>
-              <a:t>6/2/2018</a:t>
+              <a:t>6/22/2018</a:t>
             </a:fld>
             <a:endParaRPr lang="en-US"/>
           </a:p>
@@ -2358,10 +2361,9 @@
           </a:lstStyle>
           <a:p>
             <a:r>
-              <a:rPr lang="en-US" smtClean="0"/>
+              <a:rPr lang="en-US"/>
               <a:t>Click to edit Master title style</a:t>
             </a:r>
-            <a:endParaRPr lang="en-US"/>
           </a:p>
         </p:txBody>
       </p:sp>
@@ -2485,7 +2487,7 @@
           <a:p>
             <a:pPr lvl="0"/>
             <a:r>
-              <a:rPr lang="en-US" smtClean="0"/>
+              <a:rPr lang="en-US"/>
               <a:t>Click to edit Master text styles</a:t>
             </a:r>
           </a:p>
@@ -2508,7 +2510,7 @@
           <a:p>
             <a:fld id="{6DB206C8-F88B-4959-9CD2-3016D27660E1}" type="datetimeFigureOut">
               <a:rPr lang="en-US" smtClean="0"/>
-              <a:t>6/2/2018</a:t>
+              <a:t>6/22/2018</a:t>
             </a:fld>
             <a:endParaRPr lang="en-US"/>
           </a:p>
@@ -2617,10 +2619,9 @@
           <a:lstStyle/>
           <a:p>
             <a:r>
-              <a:rPr lang="en-US" smtClean="0"/>
+              <a:rPr lang="en-US"/>
               <a:t>Click to edit Master title style</a:t>
             </a:r>
-            <a:endParaRPr lang="en-US"/>
           </a:p>
         </p:txBody>
       </p:sp>
@@ -2651,38 +2652,37 @@
           <a:p>
             <a:pPr lvl="0"/>
             <a:r>
-              <a:rPr lang="en-US" smtClean="0"/>
+              <a:rPr lang="en-US"/>
               <a:t>Click to edit Master text styles</a:t>
             </a:r>
           </a:p>
           <a:p>
             <a:pPr lvl="1"/>
             <a:r>
-              <a:rPr lang="en-US" smtClean="0"/>
+              <a:rPr lang="en-US"/>
               <a:t>Second level</a:t>
             </a:r>
           </a:p>
           <a:p>
             <a:pPr lvl="2"/>
             <a:r>
-              <a:rPr lang="en-US" smtClean="0"/>
+              <a:rPr lang="en-US"/>
               <a:t>Third level</a:t>
             </a:r>
           </a:p>
           <a:p>
             <a:pPr lvl="3"/>
             <a:r>
-              <a:rPr lang="en-US" smtClean="0"/>
+              <a:rPr lang="en-US"/>
               <a:t>Fourth level</a:t>
             </a:r>
           </a:p>
           <a:p>
             <a:pPr lvl="4"/>
             <a:r>
-              <a:rPr lang="en-US" smtClean="0"/>
+              <a:rPr lang="en-US"/>
               <a:t>Fifth level</a:t>
             </a:r>
-            <a:endParaRPr lang="en-US"/>
           </a:p>
         </p:txBody>
       </p:sp>
@@ -2721,7 +2721,7 @@
           <a:p>
             <a:fld id="{6DB206C8-F88B-4959-9CD2-3016D27660E1}" type="datetimeFigureOut">
               <a:rPr lang="en-US" smtClean="0"/>
-              <a:t>6/2/2018</a:t>
+              <a:t>6/22/2018</a:t>
             </a:fld>
             <a:endParaRPr lang="en-US"/>
           </a:p>
@@ -3144,13 +3144,6 @@
   <p:clrMapOvr>
     <a:masterClrMapping/>
   </p:clrMapOvr>
-  <p:timing>
-    <p:tnLst>
-      <p:par>
-        <p:cTn id="1" dur="indefinite" restart="never" nodeType="tmRoot"/>
-      </p:par>
-    </p:tnLst>
-  </p:timing>
 </p:sld>
 </file>
 
@@ -3244,17 +3237,16 @@
           <a:p>
             <a:pPr algn="ctr"/>
             <a:r>
-              <a:rPr lang="en-US" dirty="0" smtClean="0"/>
+              <a:rPr lang="en-US" dirty="0"/>
               <a:t>Web UI</a:t>
             </a:r>
           </a:p>
           <a:p>
             <a:pPr algn="ctr"/>
             <a:r>
-              <a:rPr lang="en-US" dirty="0" smtClean="0"/>
+              <a:rPr lang="en-US" dirty="0"/>
               <a:t>Vuejs + Nodejs</a:t>
             </a:r>
-            <a:endParaRPr lang="en-US" dirty="0"/>
           </a:p>
         </p:txBody>
       </p:sp>
@@ -3293,10 +3285,9 @@
           <a:p>
             <a:pPr algn="ctr"/>
             <a:r>
-              <a:rPr lang="en-US" dirty="0" smtClean="0"/>
+              <a:rPr lang="en-US" dirty="0"/>
               <a:t>Gateway</a:t>
             </a:r>
-            <a:endParaRPr lang="en-US" dirty="0" smtClean="0"/>
           </a:p>
         </p:txBody>
       </p:sp>
@@ -3335,10 +3326,9 @@
           <a:p>
             <a:pPr algn="ctr"/>
             <a:r>
-              <a:rPr lang="en-US" dirty="0" smtClean="0"/>
+              <a:rPr lang="en-US" dirty="0"/>
               <a:t>Rating</a:t>
             </a:r>
-            <a:endParaRPr lang="en-US" dirty="0"/>
           </a:p>
         </p:txBody>
       </p:sp>
@@ -3377,10 +3367,9 @@
           <a:p>
             <a:pPr algn="ctr"/>
             <a:r>
-              <a:rPr lang="en-US" dirty="0" smtClean="0"/>
+              <a:rPr lang="en-US" dirty="0"/>
               <a:t>Review</a:t>
             </a:r>
-            <a:endParaRPr lang="en-US" dirty="0"/>
           </a:p>
         </p:txBody>
       </p:sp>
@@ -3419,10 +3408,9 @@
           <a:p>
             <a:pPr algn="ctr"/>
             <a:r>
-              <a:rPr lang="en-US" dirty="0" smtClean="0"/>
+              <a:rPr lang="en-US" dirty="0"/>
               <a:t>Inventory</a:t>
             </a:r>
-            <a:endParaRPr lang="en-US" dirty="0"/>
           </a:p>
         </p:txBody>
       </p:sp>
@@ -3461,10 +3449,9 @@
           <a:p>
             <a:pPr algn="ctr"/>
             <a:r>
-              <a:rPr lang="en-US" dirty="0" smtClean="0"/>
+              <a:rPr lang="en-US" dirty="0"/>
               <a:t>Catalog</a:t>
             </a:r>
-            <a:endParaRPr lang="en-US" dirty="0"/>
           </a:p>
         </p:txBody>
       </p:sp>
@@ -3503,10 +3490,9 @@
           <a:p>
             <a:pPr algn="ctr"/>
             <a:r>
-              <a:rPr lang="en-US" dirty="0" smtClean="0"/>
+              <a:rPr lang="en-US" dirty="0"/>
               <a:t>Cart</a:t>
             </a:r>
-            <a:endParaRPr lang="en-US" dirty="0"/>
           </a:p>
         </p:txBody>
       </p:sp>
@@ -3545,10 +3531,9 @@
           <a:p>
             <a:pPr algn="ctr"/>
             <a:r>
-              <a:rPr lang="en-US" dirty="0" smtClean="0"/>
+              <a:rPr lang="en-US" dirty="0"/>
               <a:t>Pricing</a:t>
             </a:r>
-            <a:endParaRPr lang="en-US" dirty="0"/>
           </a:p>
         </p:txBody>
       </p:sp>
@@ -3587,10 +3572,9 @@
           <a:p>
             <a:pPr algn="ctr"/>
             <a:r>
-              <a:rPr lang="en-US" dirty="0" smtClean="0"/>
+              <a:rPr lang="en-US" dirty="0"/>
               <a:t>Mongo DB</a:t>
             </a:r>
-            <a:endParaRPr lang="en-US" dirty="0"/>
           </a:p>
         </p:txBody>
       </p:sp>
@@ -3629,10 +3613,9 @@
           <a:p>
             <a:pPr algn="ctr"/>
             <a:r>
-              <a:rPr lang="en-US" dirty="0" smtClean="0"/>
+              <a:rPr lang="en-US" dirty="0"/>
               <a:t>SQL Server</a:t>
             </a:r>
-            <a:endParaRPr lang="en-US" dirty="0"/>
           </a:p>
         </p:txBody>
       </p:sp>
@@ -3671,10 +3654,9 @@
           <a:p>
             <a:pPr algn="ctr"/>
             <a:r>
-              <a:rPr lang="en-US" dirty="0" smtClean="0"/>
+              <a:rPr lang="en-US" dirty="0"/>
               <a:t>SQL Server</a:t>
             </a:r>
-            <a:endParaRPr lang="en-US" dirty="0"/>
           </a:p>
         </p:txBody>
       </p:sp>
@@ -3713,10 +3695,9 @@
           <a:p>
             <a:pPr algn="ctr"/>
             <a:r>
-              <a:rPr lang="en-US" dirty="0" smtClean="0"/>
+              <a:rPr lang="en-US" dirty="0"/>
               <a:t>Mongo DB</a:t>
             </a:r>
-            <a:endParaRPr lang="en-US" dirty="0"/>
           </a:p>
         </p:txBody>
       </p:sp>
@@ -4327,10 +4308,9 @@
           <a:p>
             <a:pPr algn="ctr"/>
             <a:r>
-              <a:rPr lang="en-US" dirty="0" smtClean="0"/>
+              <a:rPr lang="en-US" dirty="0"/>
               <a:t>SQL Server</a:t>
             </a:r>
-            <a:endParaRPr lang="en-US" dirty="0"/>
           </a:p>
         </p:txBody>
       </p:sp>
@@ -4710,13 +4690,2458 @@
   <p:clrMapOvr>
     <a:masterClrMapping/>
   </p:clrMapOvr>
-  <p:timing>
-    <p:tnLst>
-      <p:par>
-        <p:cTn id="1" dur="indefinite" restart="never" nodeType="tmRoot"/>
-      </p:par>
-    </p:tnLst>
-  </p:timing>
+</p:sld>
+</file>
+
+<file path=ppt/slides/slide3.xml><?xml version="1.0" encoding="utf-8"?>
+<p:sld xmlns:a="http://schemas.openxmlformats.org/drawingml/2006/main" xmlns:r="http://schemas.openxmlformats.org/officeDocument/2006/relationships" xmlns:p="http://schemas.openxmlformats.org/presentationml/2006/main">
+  <p:cSld>
+    <p:spTree>
+      <p:nvGrpSpPr>
+        <p:cNvPr id="1" name=""/>
+        <p:cNvGrpSpPr/>
+        <p:nvPr/>
+      </p:nvGrpSpPr>
+      <p:grpSpPr>
+        <a:xfrm>
+          <a:off x="0" y="0"/>
+          <a:ext cx="0" cy="0"/>
+          <a:chOff x="0" y="0"/>
+          <a:chExt cx="0" cy="0"/>
+        </a:xfrm>
+      </p:grpSpPr>
+      <p:sp>
+        <p:nvSpPr>
+          <p:cNvPr id="46" name="Rectangle 45"/>
+          <p:cNvSpPr/>
+          <p:nvPr/>
+        </p:nvSpPr>
+        <p:spPr>
+          <a:xfrm>
+            <a:off x="217714" y="457199"/>
+            <a:ext cx="8828154" cy="5486401"/>
+          </a:xfrm>
+          <a:prstGeom prst="rect">
+            <a:avLst/>
+          </a:prstGeom>
+        </p:spPr>
+        <p:style>
+          <a:lnRef idx="2">
+            <a:schemeClr val="dk1"/>
+          </a:lnRef>
+          <a:fillRef idx="1">
+            <a:schemeClr val="lt1"/>
+          </a:fillRef>
+          <a:effectRef idx="0">
+            <a:schemeClr val="dk1"/>
+          </a:effectRef>
+          <a:fontRef idx="minor">
+            <a:schemeClr val="dk1"/>
+          </a:fontRef>
+        </p:style>
+        <p:txBody>
+          <a:bodyPr rtlCol="0" anchor="ctr"/>
+          <a:lstStyle/>
+          <a:p>
+            <a:pPr algn="ctr"/>
+            <a:endParaRPr lang="en-US"/>
+          </a:p>
+        </p:txBody>
+      </p:sp>
+      <p:cxnSp>
+        <p:nvCxnSpPr>
+          <p:cNvPr id="18" name="Straight Arrow Connector 17"/>
+          <p:cNvCxnSpPr>
+            <a:cxnSpLocks/>
+          </p:cNvCxnSpPr>
+          <p:nvPr/>
+        </p:nvCxnSpPr>
+        <p:spPr>
+          <a:xfrm>
+            <a:off x="3316313" y="1562852"/>
+            <a:ext cx="12738" cy="336848"/>
+          </a:xfrm>
+          <a:prstGeom prst="straightConnector1">
+            <a:avLst/>
+          </a:prstGeom>
+          <a:ln>
+            <a:tailEnd type="arrow"/>
+          </a:ln>
+        </p:spPr>
+        <p:style>
+          <a:lnRef idx="1">
+            <a:schemeClr val="accent1"/>
+          </a:lnRef>
+          <a:fillRef idx="0">
+            <a:schemeClr val="accent1"/>
+          </a:fillRef>
+          <a:effectRef idx="0">
+            <a:schemeClr val="accent1"/>
+          </a:effectRef>
+          <a:fontRef idx="minor">
+            <a:schemeClr val="tx1"/>
+          </a:fontRef>
+        </p:style>
+      </p:cxnSp>
+      <p:cxnSp>
+        <p:nvCxnSpPr>
+          <p:cNvPr id="20" name="Straight Arrow Connector 19"/>
+          <p:cNvCxnSpPr>
+            <a:cxnSpLocks/>
+          </p:cNvCxnSpPr>
+          <p:nvPr/>
+        </p:nvCxnSpPr>
+        <p:spPr>
+          <a:xfrm flipH="1">
+            <a:off x="809275" y="2823907"/>
+            <a:ext cx="2519776" cy="647783"/>
+          </a:xfrm>
+          <a:prstGeom prst="straightConnector1">
+            <a:avLst/>
+          </a:prstGeom>
+          <a:ln>
+            <a:tailEnd type="arrow"/>
+          </a:ln>
+        </p:spPr>
+        <p:style>
+          <a:lnRef idx="1">
+            <a:schemeClr val="accent1"/>
+          </a:lnRef>
+          <a:fillRef idx="0">
+            <a:schemeClr val="accent1"/>
+          </a:fillRef>
+          <a:effectRef idx="0">
+            <a:schemeClr val="accent1"/>
+          </a:effectRef>
+          <a:fontRef idx="minor">
+            <a:schemeClr val="tx1"/>
+          </a:fontRef>
+        </p:style>
+      </p:cxnSp>
+      <p:cxnSp>
+        <p:nvCxnSpPr>
+          <p:cNvPr id="22" name="Straight Arrow Connector 21"/>
+          <p:cNvCxnSpPr>
+            <a:cxnSpLocks/>
+          </p:cNvCxnSpPr>
+          <p:nvPr/>
+        </p:nvCxnSpPr>
+        <p:spPr>
+          <a:xfrm flipH="1">
+            <a:off x="2308242" y="2827639"/>
+            <a:ext cx="999241" cy="612838"/>
+          </a:xfrm>
+          <a:prstGeom prst="straightConnector1">
+            <a:avLst/>
+          </a:prstGeom>
+          <a:ln>
+            <a:tailEnd type="arrow"/>
+          </a:ln>
+        </p:spPr>
+        <p:style>
+          <a:lnRef idx="1">
+            <a:schemeClr val="accent1"/>
+          </a:lnRef>
+          <a:fillRef idx="0">
+            <a:schemeClr val="accent1"/>
+          </a:fillRef>
+          <a:effectRef idx="0">
+            <a:schemeClr val="accent1"/>
+          </a:effectRef>
+          <a:fontRef idx="minor">
+            <a:schemeClr val="tx1"/>
+          </a:fontRef>
+        </p:style>
+      </p:cxnSp>
+      <p:cxnSp>
+        <p:nvCxnSpPr>
+          <p:cNvPr id="24" name="Straight Arrow Connector 23"/>
+          <p:cNvCxnSpPr>
+            <a:cxnSpLocks/>
+          </p:cNvCxnSpPr>
+          <p:nvPr/>
+        </p:nvCxnSpPr>
+        <p:spPr>
+          <a:xfrm>
+            <a:off x="3299855" y="2815373"/>
+            <a:ext cx="505850" cy="649243"/>
+          </a:xfrm>
+          <a:prstGeom prst="straightConnector1">
+            <a:avLst/>
+          </a:prstGeom>
+          <a:ln>
+            <a:tailEnd type="arrow"/>
+          </a:ln>
+        </p:spPr>
+        <p:style>
+          <a:lnRef idx="1">
+            <a:schemeClr val="accent1"/>
+          </a:lnRef>
+          <a:fillRef idx="0">
+            <a:schemeClr val="accent1"/>
+          </a:fillRef>
+          <a:effectRef idx="0">
+            <a:schemeClr val="accent1"/>
+          </a:effectRef>
+          <a:fontRef idx="minor">
+            <a:schemeClr val="tx1"/>
+          </a:fontRef>
+        </p:style>
+      </p:cxnSp>
+      <p:cxnSp>
+        <p:nvCxnSpPr>
+          <p:cNvPr id="26" name="Straight Arrow Connector 25"/>
+          <p:cNvCxnSpPr>
+            <a:cxnSpLocks/>
+          </p:cNvCxnSpPr>
+          <p:nvPr/>
+        </p:nvCxnSpPr>
+        <p:spPr>
+          <a:xfrm>
+            <a:off x="3313852" y="2827639"/>
+            <a:ext cx="2023358" cy="591612"/>
+          </a:xfrm>
+          <a:prstGeom prst="straightConnector1">
+            <a:avLst/>
+          </a:prstGeom>
+          <a:ln>
+            <a:tailEnd type="arrow"/>
+          </a:ln>
+        </p:spPr>
+        <p:style>
+          <a:lnRef idx="1">
+            <a:schemeClr val="accent1"/>
+          </a:lnRef>
+          <a:fillRef idx="0">
+            <a:schemeClr val="accent1"/>
+          </a:fillRef>
+          <a:effectRef idx="0">
+            <a:schemeClr val="accent1"/>
+          </a:effectRef>
+          <a:fontRef idx="minor">
+            <a:schemeClr val="tx1"/>
+          </a:fontRef>
+        </p:style>
+      </p:cxnSp>
+      <p:cxnSp>
+        <p:nvCxnSpPr>
+          <p:cNvPr id="28" name="Straight Arrow Connector 27"/>
+          <p:cNvCxnSpPr>
+            <a:cxnSpLocks/>
+          </p:cNvCxnSpPr>
+          <p:nvPr/>
+        </p:nvCxnSpPr>
+        <p:spPr>
+          <a:xfrm>
+            <a:off x="3322682" y="2832734"/>
+            <a:ext cx="3607294" cy="576100"/>
+          </a:xfrm>
+          <a:prstGeom prst="straightConnector1">
+            <a:avLst/>
+          </a:prstGeom>
+          <a:ln>
+            <a:tailEnd type="arrow"/>
+          </a:ln>
+        </p:spPr>
+        <p:style>
+          <a:lnRef idx="1">
+            <a:schemeClr val="accent1"/>
+          </a:lnRef>
+          <a:fillRef idx="0">
+            <a:schemeClr val="accent1"/>
+          </a:fillRef>
+          <a:effectRef idx="0">
+            <a:schemeClr val="accent1"/>
+          </a:effectRef>
+          <a:fontRef idx="minor">
+            <a:schemeClr val="tx1"/>
+          </a:fontRef>
+        </p:style>
+      </p:cxnSp>
+      <p:cxnSp>
+        <p:nvCxnSpPr>
+          <p:cNvPr id="30" name="Straight Arrow Connector 29"/>
+          <p:cNvCxnSpPr>
+            <a:cxnSpLocks/>
+          </p:cNvCxnSpPr>
+          <p:nvPr/>
+        </p:nvCxnSpPr>
+        <p:spPr>
+          <a:xfrm>
+            <a:off x="3329051" y="2817607"/>
+            <a:ext cx="5129102" cy="601644"/>
+          </a:xfrm>
+          <a:prstGeom prst="straightConnector1">
+            <a:avLst/>
+          </a:prstGeom>
+          <a:ln>
+            <a:tailEnd type="arrow"/>
+          </a:ln>
+        </p:spPr>
+        <p:style>
+          <a:lnRef idx="1">
+            <a:schemeClr val="accent1"/>
+          </a:lnRef>
+          <a:fillRef idx="0">
+            <a:schemeClr val="accent1"/>
+          </a:fillRef>
+          <a:effectRef idx="0">
+            <a:schemeClr val="accent1"/>
+          </a:effectRef>
+          <a:fontRef idx="minor">
+            <a:schemeClr val="tx1"/>
+          </a:fontRef>
+        </p:style>
+      </p:cxnSp>
+      <p:cxnSp>
+        <p:nvCxnSpPr>
+          <p:cNvPr id="32" name="Straight Arrow Connector 31"/>
+          <p:cNvCxnSpPr>
+            <a:cxnSpLocks/>
+            <a:stCxn id="105" idx="0"/>
+            <a:endCxn id="72" idx="3"/>
+          </p:cNvCxnSpPr>
+          <p:nvPr/>
+        </p:nvCxnSpPr>
+        <p:spPr>
+          <a:xfrm flipV="1">
+            <a:off x="5830681" y="3888849"/>
+            <a:ext cx="568768" cy="15985"/>
+          </a:xfrm>
+          <a:prstGeom prst="straightConnector1">
+            <a:avLst/>
+          </a:prstGeom>
+          <a:ln>
+            <a:headEnd type="arrow" w="med" len="med"/>
+            <a:tailEnd type="arrow" w="med" len="med"/>
+          </a:ln>
+        </p:spPr>
+        <p:style>
+          <a:lnRef idx="1">
+            <a:schemeClr val="accent1"/>
+          </a:lnRef>
+          <a:fillRef idx="0">
+            <a:schemeClr val="accent1"/>
+          </a:fillRef>
+          <a:effectRef idx="0">
+            <a:schemeClr val="accent1"/>
+          </a:effectRef>
+          <a:fontRef idx="minor">
+            <a:schemeClr val="tx1"/>
+          </a:fontRef>
+        </p:style>
+      </p:cxnSp>
+      <p:cxnSp>
+        <p:nvCxnSpPr>
+          <p:cNvPr id="34" name="Straight Arrow Connector 33"/>
+          <p:cNvCxnSpPr>
+            <a:cxnSpLocks/>
+            <a:stCxn id="72" idx="0"/>
+            <a:endCxn id="75" idx="3"/>
+          </p:cNvCxnSpPr>
+          <p:nvPr/>
+        </p:nvCxnSpPr>
+        <p:spPr>
+          <a:xfrm>
+            <a:off x="7467600" y="3888849"/>
+            <a:ext cx="460026" cy="0"/>
+          </a:xfrm>
+          <a:prstGeom prst="straightConnector1">
+            <a:avLst/>
+          </a:prstGeom>
+          <a:ln>
+            <a:tailEnd type="arrow"/>
+          </a:ln>
+        </p:spPr>
+        <p:style>
+          <a:lnRef idx="1">
+            <a:schemeClr val="accent1"/>
+          </a:lnRef>
+          <a:fillRef idx="0">
+            <a:schemeClr val="accent1"/>
+          </a:fillRef>
+          <a:effectRef idx="0">
+            <a:schemeClr val="accent1"/>
+          </a:effectRef>
+          <a:fontRef idx="minor">
+            <a:schemeClr val="tx1"/>
+          </a:fontRef>
+        </p:style>
+      </p:cxnSp>
+      <p:cxnSp>
+        <p:nvCxnSpPr>
+          <p:cNvPr id="37" name="Straight Arrow Connector 36"/>
+          <p:cNvCxnSpPr>
+            <a:cxnSpLocks/>
+          </p:cNvCxnSpPr>
+          <p:nvPr/>
+        </p:nvCxnSpPr>
+        <p:spPr>
+          <a:xfrm>
+            <a:off x="797708" y="4407463"/>
+            <a:ext cx="0" cy="465092"/>
+          </a:xfrm>
+          <a:prstGeom prst="straightConnector1">
+            <a:avLst/>
+          </a:prstGeom>
+          <a:ln>
+            <a:tailEnd type="arrow"/>
+          </a:ln>
+        </p:spPr>
+        <p:style>
+          <a:lnRef idx="1">
+            <a:schemeClr val="accent1"/>
+          </a:lnRef>
+          <a:fillRef idx="0">
+            <a:schemeClr val="accent1"/>
+          </a:fillRef>
+          <a:effectRef idx="0">
+            <a:schemeClr val="accent1"/>
+          </a:effectRef>
+          <a:fontRef idx="minor">
+            <a:schemeClr val="tx1"/>
+          </a:fontRef>
+        </p:style>
+      </p:cxnSp>
+      <p:cxnSp>
+        <p:nvCxnSpPr>
+          <p:cNvPr id="39" name="Straight Arrow Connector 38"/>
+          <p:cNvCxnSpPr>
+            <a:cxnSpLocks/>
+          </p:cNvCxnSpPr>
+          <p:nvPr/>
+        </p:nvCxnSpPr>
+        <p:spPr>
+          <a:xfrm>
+            <a:off x="2362200" y="4314423"/>
+            <a:ext cx="0" cy="521728"/>
+          </a:xfrm>
+          <a:prstGeom prst="straightConnector1">
+            <a:avLst/>
+          </a:prstGeom>
+          <a:ln>
+            <a:tailEnd type="arrow"/>
+          </a:ln>
+        </p:spPr>
+        <p:style>
+          <a:lnRef idx="1">
+            <a:schemeClr val="accent1"/>
+          </a:lnRef>
+          <a:fillRef idx="0">
+            <a:schemeClr val="accent1"/>
+          </a:fillRef>
+          <a:effectRef idx="0">
+            <a:schemeClr val="accent1"/>
+          </a:effectRef>
+          <a:fontRef idx="minor">
+            <a:schemeClr val="tx1"/>
+          </a:fontRef>
+        </p:style>
+      </p:cxnSp>
+      <p:cxnSp>
+        <p:nvCxnSpPr>
+          <p:cNvPr id="42" name="Straight Arrow Connector 41"/>
+          <p:cNvCxnSpPr>
+            <a:cxnSpLocks/>
+          </p:cNvCxnSpPr>
+          <p:nvPr/>
+        </p:nvCxnSpPr>
+        <p:spPr>
+          <a:xfrm>
+            <a:off x="3805705" y="4348699"/>
+            <a:ext cx="24107" cy="464170"/>
+          </a:xfrm>
+          <a:prstGeom prst="straightConnector1">
+            <a:avLst/>
+          </a:prstGeom>
+          <a:ln>
+            <a:tailEnd type="arrow"/>
+          </a:ln>
+        </p:spPr>
+        <p:style>
+          <a:lnRef idx="1">
+            <a:schemeClr val="accent1"/>
+          </a:lnRef>
+          <a:fillRef idx="0">
+            <a:schemeClr val="accent1"/>
+          </a:fillRef>
+          <a:effectRef idx="0">
+            <a:schemeClr val="accent1"/>
+          </a:effectRef>
+          <a:fontRef idx="minor">
+            <a:schemeClr val="tx1"/>
+          </a:fontRef>
+        </p:style>
+      </p:cxnSp>
+      <p:cxnSp>
+        <p:nvCxnSpPr>
+          <p:cNvPr id="44" name="Straight Arrow Connector 43"/>
+          <p:cNvCxnSpPr>
+            <a:cxnSpLocks/>
+          </p:cNvCxnSpPr>
+          <p:nvPr/>
+        </p:nvCxnSpPr>
+        <p:spPr>
+          <a:xfrm>
+            <a:off x="5361087" y="4372720"/>
+            <a:ext cx="14037" cy="463431"/>
+          </a:xfrm>
+          <a:prstGeom prst="straightConnector1">
+            <a:avLst/>
+          </a:prstGeom>
+          <a:ln>
+            <a:tailEnd type="arrow"/>
+          </a:ln>
+        </p:spPr>
+        <p:style>
+          <a:lnRef idx="1">
+            <a:schemeClr val="accent1"/>
+          </a:lnRef>
+          <a:fillRef idx="0">
+            <a:schemeClr val="accent1"/>
+          </a:fillRef>
+          <a:effectRef idx="0">
+            <a:schemeClr val="accent1"/>
+          </a:effectRef>
+          <a:fontRef idx="minor">
+            <a:schemeClr val="tx1"/>
+          </a:fontRef>
+        </p:style>
+      </p:cxnSp>
+      <p:pic>
+        <p:nvPicPr>
+          <p:cNvPr id="45" name="Picture 44"/>
+          <p:cNvPicPr>
+            <a:picLocks noChangeAspect="1"/>
+          </p:cNvPicPr>
+          <p:nvPr/>
+        </p:nvPicPr>
+        <p:blipFill>
+          <a:blip r:embed="rId2" cstate="print">
+            <a:extLst>
+              <a:ext uri="{28A0092B-C50C-407E-A947-70E740481C1C}">
+                <a14:useLocalDpi xmlns:a14="http://schemas.microsoft.com/office/drawing/2010/main" val="0"/>
+              </a:ext>
+            </a:extLst>
+          </a:blip>
+          <a:stretch>
+            <a:fillRect/>
+          </a:stretch>
+        </p:blipFill>
+        <p:spPr>
+          <a:xfrm>
+            <a:off x="7968342" y="467931"/>
+            <a:ext cx="1054857" cy="1054857"/>
+          </a:xfrm>
+          <a:prstGeom prst="rect">
+            <a:avLst/>
+          </a:prstGeom>
+        </p:spPr>
+      </p:pic>
+      <p:cxnSp>
+        <p:nvCxnSpPr>
+          <p:cNvPr id="52" name="Straight Arrow Connector 51"/>
+          <p:cNvCxnSpPr>
+            <a:cxnSpLocks/>
+            <a:stCxn id="90" idx="0"/>
+            <a:endCxn id="84" idx="3"/>
+          </p:cNvCxnSpPr>
+          <p:nvPr/>
+        </p:nvCxnSpPr>
+        <p:spPr>
+          <a:xfrm flipV="1">
+            <a:off x="3863206" y="2343565"/>
+            <a:ext cx="1604532" cy="15985"/>
+          </a:xfrm>
+          <a:prstGeom prst="straightConnector1">
+            <a:avLst/>
+          </a:prstGeom>
+          <a:ln>
+            <a:tailEnd type="arrow"/>
+          </a:ln>
+        </p:spPr>
+        <p:style>
+          <a:lnRef idx="1">
+            <a:schemeClr val="accent1"/>
+          </a:lnRef>
+          <a:fillRef idx="0">
+            <a:schemeClr val="accent1"/>
+          </a:fillRef>
+          <a:effectRef idx="0">
+            <a:schemeClr val="accent1"/>
+          </a:effectRef>
+          <a:fontRef idx="minor">
+            <a:schemeClr val="tx1"/>
+          </a:fontRef>
+        </p:style>
+      </p:cxnSp>
+      <p:cxnSp>
+        <p:nvCxnSpPr>
+          <p:cNvPr id="55" name="Straight Arrow Connector 54"/>
+          <p:cNvCxnSpPr>
+            <a:cxnSpLocks/>
+            <a:stCxn id="84" idx="0"/>
+            <a:endCxn id="115" idx="3"/>
+          </p:cNvCxnSpPr>
+          <p:nvPr/>
+        </p:nvCxnSpPr>
+        <p:spPr>
+          <a:xfrm>
+            <a:off x="6535889" y="2343565"/>
+            <a:ext cx="668373" cy="3922"/>
+          </a:xfrm>
+          <a:prstGeom prst="straightConnector1">
+            <a:avLst/>
+          </a:prstGeom>
+          <a:ln>
+            <a:tailEnd type="arrow"/>
+          </a:ln>
+        </p:spPr>
+        <p:style>
+          <a:lnRef idx="1">
+            <a:schemeClr val="accent1"/>
+          </a:lnRef>
+          <a:fillRef idx="0">
+            <a:schemeClr val="accent1"/>
+          </a:fillRef>
+          <a:effectRef idx="0">
+            <a:schemeClr val="accent1"/>
+          </a:effectRef>
+          <a:fontRef idx="minor">
+            <a:schemeClr val="tx1"/>
+          </a:fontRef>
+        </p:style>
+      </p:cxnSp>
+      <p:grpSp>
+        <p:nvGrpSpPr>
+          <p:cNvPr id="19" name="Group 18">
+            <a:extLst>
+              <a:ext uri="{FF2B5EF4-FFF2-40B4-BE49-F238E27FC236}">
+                <a16:creationId xmlns:a16="http://schemas.microsoft.com/office/drawing/2014/main" id="{ABD97A81-4C8D-4F84-ABC3-6159DF636B7E}"/>
+              </a:ext>
+            </a:extLst>
+          </p:cNvPr>
+          <p:cNvGrpSpPr/>
+          <p:nvPr/>
+        </p:nvGrpSpPr>
+        <p:grpSpPr>
+          <a:xfrm>
+            <a:off x="1797301" y="3444984"/>
+            <a:ext cx="1030081" cy="935773"/>
+            <a:chOff x="9254078" y="4883240"/>
+            <a:chExt cx="844906" cy="728368"/>
+          </a:xfrm>
+        </p:grpSpPr>
+        <p:sp>
+          <p:nvSpPr>
+            <p:cNvPr id="54" name="Hexagon 176">
+              <a:extLst>
+                <a:ext uri="{FF2B5EF4-FFF2-40B4-BE49-F238E27FC236}">
+                  <a16:creationId xmlns:a16="http://schemas.microsoft.com/office/drawing/2014/main" id="{D6071B8B-79E2-4A01-8CCB-115A32156F10}"/>
+                </a:ext>
+              </a:extLst>
+            </p:cNvPr>
+            <p:cNvSpPr/>
+            <p:nvPr/>
+          </p:nvSpPr>
+          <p:spPr bwMode="auto">
+            <a:xfrm>
+              <a:off x="9254078" y="4883240"/>
+              <a:ext cx="844906" cy="728368"/>
+            </a:xfrm>
+            <a:prstGeom prst="hexagon">
+              <a:avLst>
+                <a:gd name="adj" fmla="val 28624"/>
+                <a:gd name="vf" fmla="val 115470"/>
+              </a:avLst>
+            </a:prstGeom>
+            <a:ln>
+              <a:headEnd type="none" w="med" len="med"/>
+              <a:tailEnd type="none" w="med" len="med"/>
+            </a:ln>
+          </p:spPr>
+          <p:style>
+            <a:lnRef idx="2">
+              <a:schemeClr val="accent4"/>
+            </a:lnRef>
+            <a:fillRef idx="1">
+              <a:schemeClr val="lt1"/>
+            </a:fillRef>
+            <a:effectRef idx="0">
+              <a:schemeClr val="accent4"/>
+            </a:effectRef>
+            <a:fontRef idx="minor">
+              <a:schemeClr val="dk1"/>
+            </a:fontRef>
+          </p:style>
+          <p:txBody>
+            <a:bodyPr rot="0" spcFirstLastPara="0" vertOverflow="overflow" horzOverflow="overflow" vert="horz" wrap="square" lIns="0" tIns="560064" rIns="0" bIns="380632" numCol="1" spcCol="0" rtlCol="0" fromWordArt="0" anchor="t" anchorCtr="0" forceAA="0" compatLnSpc="1">
+              <a:prstTxWarp prst="textNoShape">
+                <a:avLst/>
+              </a:prstTxWarp>
+              <a:noAutofit/>
+            </a:bodyPr>
+            <a:lstStyle/>
+            <a:p>
+              <a:pPr algn="ctr" defTabSz="878453" fontAlgn="base">
+                <a:lnSpc>
+                  <a:spcPct val="90000"/>
+                </a:lnSpc>
+                <a:spcBef>
+                  <a:spcPct val="0"/>
+                </a:spcBef>
+                <a:spcAft>
+                  <a:spcPct val="0"/>
+                </a:spcAft>
+              </a:pPr>
+              <a:r>
+                <a:rPr lang="en-US" sz="1131" b="1" dirty="0">
+                  <a:solidFill>
+                    <a:schemeClr val="tx1"/>
+                  </a:solidFill>
+                  <a:latin typeface="Segoe UI" charset="0"/>
+                  <a:cs typeface="Segoe UI" charset="0"/>
+                </a:rPr>
+                <a:t>Review</a:t>
+              </a:r>
+            </a:p>
+          </p:txBody>
+        </p:sp>
+        <p:pic>
+          <p:nvPicPr>
+            <p:cNvPr id="56" name="Picture 55">
+              <a:extLst>
+                <a:ext uri="{FF2B5EF4-FFF2-40B4-BE49-F238E27FC236}">
+                  <a16:creationId xmlns:a16="http://schemas.microsoft.com/office/drawing/2014/main" id="{9E82F4B9-30F4-424A-B31C-958C6728E24E}"/>
+                </a:ext>
+              </a:extLst>
+            </p:cNvPr>
+            <p:cNvPicPr>
+              <a:picLocks noChangeAspect="1"/>
+            </p:cNvPicPr>
+            <p:nvPr/>
+          </p:nvPicPr>
+          <p:blipFill>
+            <a:blip r:embed="rId3"/>
+            <a:stretch>
+              <a:fillRect/>
+            </a:stretch>
+          </p:blipFill>
+          <p:spPr>
+            <a:xfrm>
+              <a:off x="9398813" y="4941940"/>
+              <a:ext cx="548712" cy="320082"/>
+            </a:xfrm>
+            <a:prstGeom prst="rect">
+              <a:avLst/>
+            </a:prstGeom>
+          </p:spPr>
+        </p:pic>
+      </p:grpSp>
+      <p:grpSp>
+        <p:nvGrpSpPr>
+          <p:cNvPr id="57" name="Group 56">
+            <a:extLst>
+              <a:ext uri="{FF2B5EF4-FFF2-40B4-BE49-F238E27FC236}">
+                <a16:creationId xmlns:a16="http://schemas.microsoft.com/office/drawing/2014/main" id="{73F0C555-9091-43E9-A6E4-79E26D672B12}"/>
+              </a:ext>
+            </a:extLst>
+          </p:cNvPr>
+          <p:cNvGrpSpPr/>
+          <p:nvPr/>
+        </p:nvGrpSpPr>
+        <p:grpSpPr>
+          <a:xfrm>
+            <a:off x="3275249" y="3444984"/>
+            <a:ext cx="1068151" cy="919700"/>
+            <a:chOff x="9254078" y="4883240"/>
+            <a:chExt cx="844906" cy="728368"/>
+          </a:xfrm>
+        </p:grpSpPr>
+        <p:sp>
+          <p:nvSpPr>
+            <p:cNvPr id="58" name="Hexagon 176">
+              <a:extLst>
+                <a:ext uri="{FF2B5EF4-FFF2-40B4-BE49-F238E27FC236}">
+                  <a16:creationId xmlns:a16="http://schemas.microsoft.com/office/drawing/2014/main" id="{2DD51459-D4C4-437D-8DCA-510BBD19FC32}"/>
+                </a:ext>
+              </a:extLst>
+            </p:cNvPr>
+            <p:cNvSpPr/>
+            <p:nvPr/>
+          </p:nvSpPr>
+          <p:spPr bwMode="auto">
+            <a:xfrm>
+              <a:off x="9254078" y="4883240"/>
+              <a:ext cx="844906" cy="728368"/>
+            </a:xfrm>
+            <a:prstGeom prst="hexagon">
+              <a:avLst>
+                <a:gd name="adj" fmla="val 28624"/>
+                <a:gd name="vf" fmla="val 115470"/>
+              </a:avLst>
+            </a:prstGeom>
+            <a:ln>
+              <a:headEnd type="none" w="med" len="med"/>
+              <a:tailEnd type="none" w="med" len="med"/>
+            </a:ln>
+          </p:spPr>
+          <p:style>
+            <a:lnRef idx="2">
+              <a:schemeClr val="accent4"/>
+            </a:lnRef>
+            <a:fillRef idx="1">
+              <a:schemeClr val="lt1"/>
+            </a:fillRef>
+            <a:effectRef idx="0">
+              <a:schemeClr val="accent4"/>
+            </a:effectRef>
+            <a:fontRef idx="minor">
+              <a:schemeClr val="dk1"/>
+            </a:fontRef>
+          </p:style>
+          <p:txBody>
+            <a:bodyPr rot="0" spcFirstLastPara="0" vertOverflow="overflow" horzOverflow="overflow" vert="horz" wrap="square" lIns="0" tIns="560064" rIns="0" bIns="380632" numCol="1" spcCol="0" rtlCol="0" fromWordArt="0" anchor="t" anchorCtr="0" forceAA="0" compatLnSpc="1">
+              <a:prstTxWarp prst="textNoShape">
+                <a:avLst/>
+              </a:prstTxWarp>
+              <a:noAutofit/>
+            </a:bodyPr>
+            <a:lstStyle/>
+            <a:p>
+              <a:pPr algn="ctr" defTabSz="878453" fontAlgn="base">
+                <a:lnSpc>
+                  <a:spcPct val="90000"/>
+                </a:lnSpc>
+                <a:spcBef>
+                  <a:spcPct val="0"/>
+                </a:spcBef>
+                <a:spcAft>
+                  <a:spcPct val="0"/>
+                </a:spcAft>
+              </a:pPr>
+              <a:r>
+                <a:rPr lang="en-US" sz="1131" b="1" dirty="0">
+                  <a:solidFill>
+                    <a:schemeClr val="tx1"/>
+                  </a:solidFill>
+                  <a:latin typeface="Segoe UI" charset="0"/>
+                  <a:cs typeface="Segoe UI" charset="0"/>
+                </a:rPr>
+                <a:t>Inventory</a:t>
+              </a:r>
+            </a:p>
+          </p:txBody>
+        </p:sp>
+        <p:pic>
+          <p:nvPicPr>
+            <p:cNvPr id="59" name="Picture 58">
+              <a:extLst>
+                <a:ext uri="{FF2B5EF4-FFF2-40B4-BE49-F238E27FC236}">
+                  <a16:creationId xmlns:a16="http://schemas.microsoft.com/office/drawing/2014/main" id="{7125FF4C-632A-46CD-B634-226A5D4A4589}"/>
+                </a:ext>
+              </a:extLst>
+            </p:cNvPr>
+            <p:cNvPicPr>
+              <a:picLocks noChangeAspect="1"/>
+            </p:cNvPicPr>
+            <p:nvPr/>
+          </p:nvPicPr>
+          <p:blipFill>
+            <a:blip r:embed="rId3"/>
+            <a:stretch>
+              <a:fillRect/>
+            </a:stretch>
+          </p:blipFill>
+          <p:spPr>
+            <a:xfrm>
+              <a:off x="9399369" y="4956768"/>
+              <a:ext cx="548712" cy="320082"/>
+            </a:xfrm>
+            <a:prstGeom prst="rect">
+              <a:avLst/>
+            </a:prstGeom>
+          </p:spPr>
+        </p:pic>
+      </p:grpSp>
+      <p:grpSp>
+        <p:nvGrpSpPr>
+          <p:cNvPr id="29" name="Group 28">
+            <a:extLst>
+              <a:ext uri="{FF2B5EF4-FFF2-40B4-BE49-F238E27FC236}">
+                <a16:creationId xmlns:a16="http://schemas.microsoft.com/office/drawing/2014/main" id="{5711DF41-7BE3-415F-9E7F-E89773174A0C}"/>
+              </a:ext>
+            </a:extLst>
+          </p:cNvPr>
+          <p:cNvGrpSpPr/>
+          <p:nvPr/>
+        </p:nvGrpSpPr>
+        <p:grpSpPr>
+          <a:xfrm>
+            <a:off x="1858787" y="4847680"/>
+            <a:ext cx="1030081" cy="935773"/>
+            <a:chOff x="1847159" y="4836151"/>
+            <a:chExt cx="1030081" cy="935773"/>
+          </a:xfrm>
+        </p:grpSpPr>
+        <p:sp>
+          <p:nvSpPr>
+            <p:cNvPr id="61" name="Hexagon 176">
+              <a:extLst>
+                <a:ext uri="{FF2B5EF4-FFF2-40B4-BE49-F238E27FC236}">
+                  <a16:creationId xmlns:a16="http://schemas.microsoft.com/office/drawing/2014/main" id="{37C51CFF-FD26-4F34-BF6D-2C68729102B7}"/>
+                </a:ext>
+              </a:extLst>
+            </p:cNvPr>
+            <p:cNvSpPr/>
+            <p:nvPr/>
+          </p:nvSpPr>
+          <p:spPr bwMode="auto">
+            <a:xfrm>
+              <a:off x="1847159" y="4836151"/>
+              <a:ext cx="1030081" cy="935773"/>
+            </a:xfrm>
+            <a:prstGeom prst="hexagon">
+              <a:avLst>
+                <a:gd name="adj" fmla="val 28624"/>
+                <a:gd name="vf" fmla="val 115470"/>
+              </a:avLst>
+            </a:prstGeom>
+            <a:ln>
+              <a:headEnd type="none" w="med" len="med"/>
+              <a:tailEnd type="none" w="med" len="med"/>
+            </a:ln>
+          </p:spPr>
+          <p:style>
+            <a:lnRef idx="2">
+              <a:schemeClr val="accent4"/>
+            </a:lnRef>
+            <a:fillRef idx="1">
+              <a:schemeClr val="lt1"/>
+            </a:fillRef>
+            <a:effectRef idx="0">
+              <a:schemeClr val="accent4"/>
+            </a:effectRef>
+            <a:fontRef idx="minor">
+              <a:schemeClr val="dk1"/>
+            </a:fontRef>
+          </p:style>
+          <p:txBody>
+            <a:bodyPr rot="0" spcFirstLastPara="0" vertOverflow="overflow" horzOverflow="overflow" vert="horz" wrap="square" lIns="0" tIns="560064" rIns="0" bIns="380632" numCol="1" spcCol="0" rtlCol="0" fromWordArt="0" anchor="t" anchorCtr="0" forceAA="0" compatLnSpc="1">
+              <a:prstTxWarp prst="textNoShape">
+                <a:avLst/>
+              </a:prstTxWarp>
+              <a:noAutofit/>
+            </a:bodyPr>
+            <a:lstStyle/>
+            <a:p>
+              <a:pPr algn="ctr" defTabSz="878453" fontAlgn="base">
+                <a:lnSpc>
+                  <a:spcPct val="90000"/>
+                </a:lnSpc>
+                <a:spcBef>
+                  <a:spcPct val="0"/>
+                </a:spcBef>
+                <a:spcAft>
+                  <a:spcPct val="0"/>
+                </a:spcAft>
+              </a:pPr>
+              <a:endParaRPr lang="en-US" sz="1131" b="1" dirty="0">
+                <a:solidFill>
+                  <a:schemeClr val="tx1"/>
+                </a:solidFill>
+                <a:latin typeface="Segoe UI" charset="0"/>
+                <a:cs typeface="Segoe UI" charset="0"/>
+              </a:endParaRPr>
+            </a:p>
+          </p:txBody>
+        </p:sp>
+        <p:pic>
+          <p:nvPicPr>
+            <p:cNvPr id="27" name="Picture 26">
+              <a:extLst>
+                <a:ext uri="{FF2B5EF4-FFF2-40B4-BE49-F238E27FC236}">
+                  <a16:creationId xmlns:a16="http://schemas.microsoft.com/office/drawing/2014/main" id="{814B6059-262D-4CA7-BED1-D6D172E1E070}"/>
+                </a:ext>
+              </a:extLst>
+            </p:cNvPr>
+            <p:cNvPicPr>
+              <a:picLocks noChangeAspect="1"/>
+            </p:cNvPicPr>
+            <p:nvPr/>
+          </p:nvPicPr>
+          <p:blipFill>
+            <a:blip r:embed="rId4" cstate="print">
+              <a:extLst>
+                <a:ext uri="{28A0092B-C50C-407E-A947-70E740481C1C}">
+                  <a14:useLocalDpi xmlns:a14="http://schemas.microsoft.com/office/drawing/2010/main" val="0"/>
+                </a:ext>
+              </a:extLst>
+            </a:blip>
+            <a:stretch>
+              <a:fillRect/>
+            </a:stretch>
+          </p:blipFill>
+          <p:spPr>
+            <a:xfrm>
+              <a:off x="2082197" y="5059918"/>
+              <a:ext cx="562911" cy="455057"/>
+            </a:xfrm>
+            <a:prstGeom prst="rect">
+              <a:avLst/>
+            </a:prstGeom>
+          </p:spPr>
+        </p:pic>
+      </p:grpSp>
+      <p:grpSp>
+        <p:nvGrpSpPr>
+          <p:cNvPr id="64" name="Group 63">
+            <a:extLst>
+              <a:ext uri="{FF2B5EF4-FFF2-40B4-BE49-F238E27FC236}">
+                <a16:creationId xmlns:a16="http://schemas.microsoft.com/office/drawing/2014/main" id="{A534364C-145B-415B-88ED-CCB611E7FF4F}"/>
+              </a:ext>
+            </a:extLst>
+          </p:cNvPr>
+          <p:cNvGrpSpPr/>
+          <p:nvPr/>
+        </p:nvGrpSpPr>
+        <p:grpSpPr>
+          <a:xfrm>
+            <a:off x="3313319" y="4812869"/>
+            <a:ext cx="1030081" cy="935773"/>
+            <a:chOff x="1847159" y="4836151"/>
+            <a:chExt cx="1030081" cy="935773"/>
+          </a:xfrm>
+        </p:grpSpPr>
+        <p:sp>
+          <p:nvSpPr>
+            <p:cNvPr id="65" name="Hexagon 176">
+              <a:extLst>
+                <a:ext uri="{FF2B5EF4-FFF2-40B4-BE49-F238E27FC236}">
+                  <a16:creationId xmlns:a16="http://schemas.microsoft.com/office/drawing/2014/main" id="{8F8E11A5-36AB-4E1E-88D8-BE5A0A8AF256}"/>
+                </a:ext>
+              </a:extLst>
+            </p:cNvPr>
+            <p:cNvSpPr/>
+            <p:nvPr/>
+          </p:nvSpPr>
+          <p:spPr bwMode="auto">
+            <a:xfrm>
+              <a:off x="1847159" y="4836151"/>
+              <a:ext cx="1030081" cy="935773"/>
+            </a:xfrm>
+            <a:prstGeom prst="hexagon">
+              <a:avLst>
+                <a:gd name="adj" fmla="val 28624"/>
+                <a:gd name="vf" fmla="val 115470"/>
+              </a:avLst>
+            </a:prstGeom>
+            <a:ln>
+              <a:headEnd type="none" w="med" len="med"/>
+              <a:tailEnd type="none" w="med" len="med"/>
+            </a:ln>
+          </p:spPr>
+          <p:style>
+            <a:lnRef idx="2">
+              <a:schemeClr val="accent4"/>
+            </a:lnRef>
+            <a:fillRef idx="1">
+              <a:schemeClr val="lt1"/>
+            </a:fillRef>
+            <a:effectRef idx="0">
+              <a:schemeClr val="accent4"/>
+            </a:effectRef>
+            <a:fontRef idx="minor">
+              <a:schemeClr val="dk1"/>
+            </a:fontRef>
+          </p:style>
+          <p:txBody>
+            <a:bodyPr rot="0" spcFirstLastPara="0" vertOverflow="overflow" horzOverflow="overflow" vert="horz" wrap="square" lIns="0" tIns="560064" rIns="0" bIns="380632" numCol="1" spcCol="0" rtlCol="0" fromWordArt="0" anchor="t" anchorCtr="0" forceAA="0" compatLnSpc="1">
+              <a:prstTxWarp prst="textNoShape">
+                <a:avLst/>
+              </a:prstTxWarp>
+              <a:noAutofit/>
+            </a:bodyPr>
+            <a:lstStyle/>
+            <a:p>
+              <a:pPr algn="ctr" defTabSz="878453" fontAlgn="base">
+                <a:lnSpc>
+                  <a:spcPct val="90000"/>
+                </a:lnSpc>
+                <a:spcBef>
+                  <a:spcPct val="0"/>
+                </a:spcBef>
+                <a:spcAft>
+                  <a:spcPct val="0"/>
+                </a:spcAft>
+              </a:pPr>
+              <a:endParaRPr lang="en-US" sz="1131" b="1" dirty="0">
+                <a:solidFill>
+                  <a:schemeClr val="tx1"/>
+                </a:solidFill>
+                <a:latin typeface="Segoe UI" charset="0"/>
+                <a:cs typeface="Segoe UI" charset="0"/>
+              </a:endParaRPr>
+            </a:p>
+          </p:txBody>
+        </p:sp>
+        <p:pic>
+          <p:nvPicPr>
+            <p:cNvPr id="66" name="Picture 65">
+              <a:extLst>
+                <a:ext uri="{FF2B5EF4-FFF2-40B4-BE49-F238E27FC236}">
+                  <a16:creationId xmlns:a16="http://schemas.microsoft.com/office/drawing/2014/main" id="{4914D168-09C0-457F-B73D-4C024B0532A6}"/>
+                </a:ext>
+              </a:extLst>
+            </p:cNvPr>
+            <p:cNvPicPr>
+              <a:picLocks noChangeAspect="1"/>
+            </p:cNvPicPr>
+            <p:nvPr/>
+          </p:nvPicPr>
+          <p:blipFill>
+            <a:blip r:embed="rId4" cstate="print">
+              <a:extLst>
+                <a:ext uri="{28A0092B-C50C-407E-A947-70E740481C1C}">
+                  <a14:useLocalDpi xmlns:a14="http://schemas.microsoft.com/office/drawing/2010/main" val="0"/>
+                </a:ext>
+              </a:extLst>
+            </a:blip>
+            <a:stretch>
+              <a:fillRect/>
+            </a:stretch>
+          </p:blipFill>
+          <p:spPr>
+            <a:xfrm>
+              <a:off x="2082197" y="5059918"/>
+              <a:ext cx="562911" cy="455057"/>
+            </a:xfrm>
+            <a:prstGeom prst="rect">
+              <a:avLst/>
+            </a:prstGeom>
+          </p:spPr>
+        </p:pic>
+      </p:grpSp>
+      <p:grpSp>
+        <p:nvGrpSpPr>
+          <p:cNvPr id="71" name="Group 70">
+            <a:extLst>
+              <a:ext uri="{FF2B5EF4-FFF2-40B4-BE49-F238E27FC236}">
+                <a16:creationId xmlns:a16="http://schemas.microsoft.com/office/drawing/2014/main" id="{4CAB8941-4553-4747-903C-F34E6A188FB9}"/>
+              </a:ext>
+            </a:extLst>
+          </p:cNvPr>
+          <p:cNvGrpSpPr/>
+          <p:nvPr/>
+        </p:nvGrpSpPr>
+        <p:grpSpPr>
+          <a:xfrm>
+            <a:off x="6399449" y="3428999"/>
+            <a:ext cx="1068151" cy="919700"/>
+            <a:chOff x="9254078" y="4883240"/>
+            <a:chExt cx="844906" cy="728368"/>
+          </a:xfrm>
+        </p:grpSpPr>
+        <p:sp>
+          <p:nvSpPr>
+            <p:cNvPr id="72" name="Hexagon 176">
+              <a:extLst>
+                <a:ext uri="{FF2B5EF4-FFF2-40B4-BE49-F238E27FC236}">
+                  <a16:creationId xmlns:a16="http://schemas.microsoft.com/office/drawing/2014/main" id="{AB41C03A-ADF8-433B-8F3C-8C5173D098BA}"/>
+                </a:ext>
+              </a:extLst>
+            </p:cNvPr>
+            <p:cNvSpPr/>
+            <p:nvPr/>
+          </p:nvSpPr>
+          <p:spPr bwMode="auto">
+            <a:xfrm>
+              <a:off x="9254078" y="4883240"/>
+              <a:ext cx="844906" cy="728368"/>
+            </a:xfrm>
+            <a:prstGeom prst="hexagon">
+              <a:avLst>
+                <a:gd name="adj" fmla="val 28624"/>
+                <a:gd name="vf" fmla="val 115470"/>
+              </a:avLst>
+            </a:prstGeom>
+            <a:ln>
+              <a:headEnd type="none" w="med" len="med"/>
+              <a:tailEnd type="none" w="med" len="med"/>
+            </a:ln>
+          </p:spPr>
+          <p:style>
+            <a:lnRef idx="2">
+              <a:schemeClr val="accent4"/>
+            </a:lnRef>
+            <a:fillRef idx="1">
+              <a:schemeClr val="lt1"/>
+            </a:fillRef>
+            <a:effectRef idx="0">
+              <a:schemeClr val="accent4"/>
+            </a:effectRef>
+            <a:fontRef idx="minor">
+              <a:schemeClr val="dk1"/>
+            </a:fontRef>
+          </p:style>
+          <p:txBody>
+            <a:bodyPr rot="0" spcFirstLastPara="0" vertOverflow="overflow" horzOverflow="overflow" vert="horz" wrap="square" lIns="0" tIns="560064" rIns="0" bIns="380632" numCol="1" spcCol="0" rtlCol="0" fromWordArt="0" anchor="t" anchorCtr="0" forceAA="0" compatLnSpc="1">
+              <a:prstTxWarp prst="textNoShape">
+                <a:avLst/>
+              </a:prstTxWarp>
+              <a:noAutofit/>
+            </a:bodyPr>
+            <a:lstStyle/>
+            <a:p>
+              <a:pPr algn="ctr" defTabSz="878453" fontAlgn="base">
+                <a:lnSpc>
+                  <a:spcPct val="90000"/>
+                </a:lnSpc>
+                <a:spcBef>
+                  <a:spcPct val="0"/>
+                </a:spcBef>
+                <a:spcAft>
+                  <a:spcPct val="0"/>
+                </a:spcAft>
+              </a:pPr>
+              <a:r>
+                <a:rPr lang="en-US" sz="1131" b="1" dirty="0">
+                  <a:solidFill>
+                    <a:schemeClr val="tx1"/>
+                  </a:solidFill>
+                  <a:latin typeface="Segoe UI" charset="0"/>
+                  <a:cs typeface="Segoe UI" charset="0"/>
+                </a:rPr>
+                <a:t>Cart</a:t>
+              </a:r>
+            </a:p>
+          </p:txBody>
+        </p:sp>
+        <p:pic>
+          <p:nvPicPr>
+            <p:cNvPr id="73" name="Picture 72">
+              <a:extLst>
+                <a:ext uri="{FF2B5EF4-FFF2-40B4-BE49-F238E27FC236}">
+                  <a16:creationId xmlns:a16="http://schemas.microsoft.com/office/drawing/2014/main" id="{2E719C7F-55F8-482E-B327-E39E6B1B9C2E}"/>
+                </a:ext>
+              </a:extLst>
+            </p:cNvPr>
+            <p:cNvPicPr>
+              <a:picLocks noChangeAspect="1"/>
+            </p:cNvPicPr>
+            <p:nvPr/>
+          </p:nvPicPr>
+          <p:blipFill>
+            <a:blip r:embed="rId3"/>
+            <a:stretch>
+              <a:fillRect/>
+            </a:stretch>
+          </p:blipFill>
+          <p:spPr>
+            <a:xfrm>
+              <a:off x="9399369" y="4956768"/>
+              <a:ext cx="548712" cy="320082"/>
+            </a:xfrm>
+            <a:prstGeom prst="rect">
+              <a:avLst/>
+            </a:prstGeom>
+          </p:spPr>
+        </p:pic>
+      </p:grpSp>
+      <p:grpSp>
+        <p:nvGrpSpPr>
+          <p:cNvPr id="74" name="Group 73">
+            <a:extLst>
+              <a:ext uri="{FF2B5EF4-FFF2-40B4-BE49-F238E27FC236}">
+                <a16:creationId xmlns:a16="http://schemas.microsoft.com/office/drawing/2014/main" id="{4385EE93-5BA1-494C-8CD6-EDD423486621}"/>
+              </a:ext>
+            </a:extLst>
+          </p:cNvPr>
+          <p:cNvGrpSpPr/>
+          <p:nvPr/>
+        </p:nvGrpSpPr>
+        <p:grpSpPr>
+          <a:xfrm>
+            <a:off x="7927626" y="3428999"/>
+            <a:ext cx="1068151" cy="919700"/>
+            <a:chOff x="9254078" y="4883240"/>
+            <a:chExt cx="844906" cy="728368"/>
+          </a:xfrm>
+        </p:grpSpPr>
+        <p:sp>
+          <p:nvSpPr>
+            <p:cNvPr id="75" name="Hexagon 176">
+              <a:extLst>
+                <a:ext uri="{FF2B5EF4-FFF2-40B4-BE49-F238E27FC236}">
+                  <a16:creationId xmlns:a16="http://schemas.microsoft.com/office/drawing/2014/main" id="{B4E90AAB-7944-4FB5-A458-2C8D3C88EE78}"/>
+                </a:ext>
+              </a:extLst>
+            </p:cNvPr>
+            <p:cNvSpPr/>
+            <p:nvPr/>
+          </p:nvSpPr>
+          <p:spPr bwMode="auto">
+            <a:xfrm>
+              <a:off x="9254078" y="4883240"/>
+              <a:ext cx="844906" cy="728368"/>
+            </a:xfrm>
+            <a:prstGeom prst="hexagon">
+              <a:avLst>
+                <a:gd name="adj" fmla="val 28624"/>
+                <a:gd name="vf" fmla="val 115470"/>
+              </a:avLst>
+            </a:prstGeom>
+            <a:ln>
+              <a:headEnd type="none" w="med" len="med"/>
+              <a:tailEnd type="none" w="med" len="med"/>
+            </a:ln>
+          </p:spPr>
+          <p:style>
+            <a:lnRef idx="2">
+              <a:schemeClr val="accent4"/>
+            </a:lnRef>
+            <a:fillRef idx="1">
+              <a:schemeClr val="lt1"/>
+            </a:fillRef>
+            <a:effectRef idx="0">
+              <a:schemeClr val="accent4"/>
+            </a:effectRef>
+            <a:fontRef idx="minor">
+              <a:schemeClr val="dk1"/>
+            </a:fontRef>
+          </p:style>
+          <p:txBody>
+            <a:bodyPr rot="0" spcFirstLastPara="0" vertOverflow="overflow" horzOverflow="overflow" vert="horz" wrap="square" lIns="0" tIns="560064" rIns="0" bIns="380632" numCol="1" spcCol="0" rtlCol="0" fromWordArt="0" anchor="t" anchorCtr="0" forceAA="0" compatLnSpc="1">
+              <a:prstTxWarp prst="textNoShape">
+                <a:avLst/>
+              </a:prstTxWarp>
+              <a:noAutofit/>
+            </a:bodyPr>
+            <a:lstStyle/>
+            <a:p>
+              <a:pPr algn="ctr" defTabSz="878453" fontAlgn="base">
+                <a:lnSpc>
+                  <a:spcPct val="90000"/>
+                </a:lnSpc>
+                <a:spcBef>
+                  <a:spcPct val="0"/>
+                </a:spcBef>
+                <a:spcAft>
+                  <a:spcPct val="0"/>
+                </a:spcAft>
+              </a:pPr>
+              <a:r>
+                <a:rPr lang="en-US" sz="1131" b="1" dirty="0">
+                  <a:solidFill>
+                    <a:schemeClr val="tx1"/>
+                  </a:solidFill>
+                  <a:latin typeface="Segoe UI" charset="0"/>
+                  <a:cs typeface="Segoe UI" charset="0"/>
+                </a:rPr>
+                <a:t>Pricing</a:t>
+              </a:r>
+            </a:p>
+          </p:txBody>
+        </p:sp>
+        <p:pic>
+          <p:nvPicPr>
+            <p:cNvPr id="76" name="Picture 75">
+              <a:extLst>
+                <a:ext uri="{FF2B5EF4-FFF2-40B4-BE49-F238E27FC236}">
+                  <a16:creationId xmlns:a16="http://schemas.microsoft.com/office/drawing/2014/main" id="{025A4D64-5671-48F8-B5AF-F94F543C5E23}"/>
+                </a:ext>
+              </a:extLst>
+            </p:cNvPr>
+            <p:cNvPicPr>
+              <a:picLocks noChangeAspect="1"/>
+            </p:cNvPicPr>
+            <p:nvPr/>
+          </p:nvPicPr>
+          <p:blipFill>
+            <a:blip r:embed="rId3"/>
+            <a:stretch>
+              <a:fillRect/>
+            </a:stretch>
+          </p:blipFill>
+          <p:spPr>
+            <a:xfrm>
+              <a:off x="9399369" y="4956768"/>
+              <a:ext cx="548712" cy="320082"/>
+            </a:xfrm>
+            <a:prstGeom prst="rect">
+              <a:avLst/>
+            </a:prstGeom>
+          </p:spPr>
+        </p:pic>
+      </p:grpSp>
+      <p:grpSp>
+        <p:nvGrpSpPr>
+          <p:cNvPr id="86" name="Group 85">
+            <a:extLst>
+              <a:ext uri="{FF2B5EF4-FFF2-40B4-BE49-F238E27FC236}">
+                <a16:creationId xmlns:a16="http://schemas.microsoft.com/office/drawing/2014/main" id="{0EB2EEA2-EED6-4589-9B31-C38176C0AD07}"/>
+              </a:ext>
+            </a:extLst>
+          </p:cNvPr>
+          <p:cNvGrpSpPr/>
+          <p:nvPr/>
+        </p:nvGrpSpPr>
+        <p:grpSpPr>
+          <a:xfrm>
+            <a:off x="5467738" y="1883715"/>
+            <a:ext cx="1068151" cy="919700"/>
+            <a:chOff x="4598845" y="2001410"/>
+            <a:chExt cx="1068151" cy="919700"/>
+          </a:xfrm>
+        </p:grpSpPr>
+        <p:sp>
+          <p:nvSpPr>
+            <p:cNvPr id="84" name="Hexagon 176">
+              <a:extLst>
+                <a:ext uri="{FF2B5EF4-FFF2-40B4-BE49-F238E27FC236}">
+                  <a16:creationId xmlns:a16="http://schemas.microsoft.com/office/drawing/2014/main" id="{FE48DF43-41B6-4330-AA25-ACA5FA3D4715}"/>
+                </a:ext>
+              </a:extLst>
+            </p:cNvPr>
+            <p:cNvSpPr/>
+            <p:nvPr/>
+          </p:nvSpPr>
+          <p:spPr bwMode="auto">
+            <a:xfrm>
+              <a:off x="4598845" y="2001410"/>
+              <a:ext cx="1068151" cy="919700"/>
+            </a:xfrm>
+            <a:prstGeom prst="hexagon">
+              <a:avLst>
+                <a:gd name="adj" fmla="val 28624"/>
+                <a:gd name="vf" fmla="val 115470"/>
+              </a:avLst>
+            </a:prstGeom>
+            <a:ln>
+              <a:headEnd type="none" w="med" len="med"/>
+              <a:tailEnd type="none" w="med" len="med"/>
+            </a:ln>
+          </p:spPr>
+          <p:style>
+            <a:lnRef idx="2">
+              <a:schemeClr val="accent4"/>
+            </a:lnRef>
+            <a:fillRef idx="1">
+              <a:schemeClr val="lt1"/>
+            </a:fillRef>
+            <a:effectRef idx="0">
+              <a:schemeClr val="accent4"/>
+            </a:effectRef>
+            <a:fontRef idx="minor">
+              <a:schemeClr val="dk1"/>
+            </a:fontRef>
+          </p:style>
+          <p:txBody>
+            <a:bodyPr rot="0" spcFirstLastPara="0" vertOverflow="overflow" horzOverflow="overflow" vert="horz" wrap="square" lIns="0" tIns="560064" rIns="0" bIns="380632" numCol="1" spcCol="0" rtlCol="0" fromWordArt="0" anchor="t" anchorCtr="0" forceAA="0" compatLnSpc="1">
+              <a:prstTxWarp prst="textNoShape">
+                <a:avLst/>
+              </a:prstTxWarp>
+              <a:noAutofit/>
+            </a:bodyPr>
+            <a:lstStyle/>
+            <a:p>
+              <a:pPr algn="ctr" defTabSz="878453" fontAlgn="base">
+                <a:lnSpc>
+                  <a:spcPct val="90000"/>
+                </a:lnSpc>
+                <a:spcBef>
+                  <a:spcPct val="0"/>
+                </a:spcBef>
+                <a:spcAft>
+                  <a:spcPct val="0"/>
+                </a:spcAft>
+              </a:pPr>
+              <a:endParaRPr lang="en-US" sz="1131" b="1" dirty="0">
+                <a:solidFill>
+                  <a:schemeClr val="tx1"/>
+                </a:solidFill>
+                <a:latin typeface="Segoe UI" charset="0"/>
+                <a:cs typeface="Segoe UI" charset="0"/>
+              </a:endParaRPr>
+            </a:p>
+          </p:txBody>
+        </p:sp>
+        <p:pic>
+          <p:nvPicPr>
+            <p:cNvPr id="4" name="Picture 3"/>
+            <p:cNvPicPr>
+              <a:picLocks noChangeAspect="1"/>
+            </p:cNvPicPr>
+            <p:nvPr/>
+          </p:nvPicPr>
+          <p:blipFill>
+            <a:blip r:embed="rId5" cstate="print">
+              <a:extLst>
+                <a:ext uri="{28A0092B-C50C-407E-A947-70E740481C1C}">
+                  <a14:useLocalDpi xmlns:a14="http://schemas.microsoft.com/office/drawing/2010/main" val="0"/>
+                </a:ext>
+              </a:extLst>
+            </a:blip>
+            <a:stretch>
+              <a:fillRect/>
+            </a:stretch>
+          </p:blipFill>
+          <p:spPr>
+            <a:xfrm>
+              <a:off x="4819717" y="2240600"/>
+              <a:ext cx="626406" cy="424390"/>
+            </a:xfrm>
+            <a:prstGeom prst="rect">
+              <a:avLst/>
+            </a:prstGeom>
+          </p:spPr>
+        </p:pic>
+      </p:grpSp>
+      <p:grpSp>
+        <p:nvGrpSpPr>
+          <p:cNvPr id="93" name="Group 92">
+            <a:extLst>
+              <a:ext uri="{FF2B5EF4-FFF2-40B4-BE49-F238E27FC236}">
+                <a16:creationId xmlns:a16="http://schemas.microsoft.com/office/drawing/2014/main" id="{AEDC7C3B-C6DF-4521-88C1-666293CA3551}"/>
+              </a:ext>
+            </a:extLst>
+          </p:cNvPr>
+          <p:cNvGrpSpPr/>
+          <p:nvPr/>
+        </p:nvGrpSpPr>
+        <p:grpSpPr>
+          <a:xfrm>
+            <a:off x="2795055" y="1899700"/>
+            <a:ext cx="1068151" cy="919700"/>
+            <a:chOff x="1291344" y="2103142"/>
+            <a:chExt cx="1068151" cy="919700"/>
+          </a:xfrm>
+        </p:grpSpPr>
+        <p:sp>
+          <p:nvSpPr>
+            <p:cNvPr id="90" name="Hexagon 176">
+              <a:extLst>
+                <a:ext uri="{FF2B5EF4-FFF2-40B4-BE49-F238E27FC236}">
+                  <a16:creationId xmlns:a16="http://schemas.microsoft.com/office/drawing/2014/main" id="{B2B2C4B7-D510-4517-9A91-651FED4AFBFC}"/>
+                </a:ext>
+              </a:extLst>
+            </p:cNvPr>
+            <p:cNvSpPr/>
+            <p:nvPr/>
+          </p:nvSpPr>
+          <p:spPr bwMode="auto">
+            <a:xfrm>
+              <a:off x="1291344" y="2103142"/>
+              <a:ext cx="1068151" cy="919700"/>
+            </a:xfrm>
+            <a:prstGeom prst="hexagon">
+              <a:avLst>
+                <a:gd name="adj" fmla="val 28624"/>
+                <a:gd name="vf" fmla="val 115470"/>
+              </a:avLst>
+            </a:prstGeom>
+            <a:ln>
+              <a:headEnd type="none" w="med" len="med"/>
+              <a:tailEnd type="none" w="med" len="med"/>
+            </a:ln>
+          </p:spPr>
+          <p:style>
+            <a:lnRef idx="2">
+              <a:schemeClr val="dk1"/>
+            </a:lnRef>
+            <a:fillRef idx="1">
+              <a:schemeClr val="lt1"/>
+            </a:fillRef>
+            <a:effectRef idx="0">
+              <a:schemeClr val="dk1"/>
+            </a:effectRef>
+            <a:fontRef idx="minor">
+              <a:schemeClr val="dk1"/>
+            </a:fontRef>
+          </p:style>
+          <p:txBody>
+            <a:bodyPr rot="0" spcFirstLastPara="0" vertOverflow="overflow" horzOverflow="overflow" vert="horz" wrap="square" lIns="0" tIns="560064" rIns="0" bIns="380632" numCol="1" spcCol="0" rtlCol="0" fromWordArt="0" anchor="t" anchorCtr="0" forceAA="0" compatLnSpc="1">
+              <a:prstTxWarp prst="textNoShape">
+                <a:avLst/>
+              </a:prstTxWarp>
+              <a:noAutofit/>
+            </a:bodyPr>
+            <a:lstStyle/>
+            <a:p>
+              <a:pPr algn="ctr" defTabSz="878453" fontAlgn="base">
+                <a:lnSpc>
+                  <a:spcPct val="90000"/>
+                </a:lnSpc>
+                <a:spcBef>
+                  <a:spcPct val="0"/>
+                </a:spcBef>
+                <a:spcAft>
+                  <a:spcPct val="0"/>
+                </a:spcAft>
+              </a:pPr>
+              <a:r>
+                <a:rPr lang="en-US" sz="1131" b="1" dirty="0">
+                  <a:solidFill>
+                    <a:schemeClr val="tx1"/>
+                  </a:solidFill>
+                  <a:latin typeface="Segoe UI" charset="0"/>
+                  <a:cs typeface="Segoe UI" charset="0"/>
+                </a:rPr>
+                <a:t>Gateway</a:t>
+              </a:r>
+            </a:p>
+          </p:txBody>
+        </p:sp>
+        <p:pic>
+          <p:nvPicPr>
+            <p:cNvPr id="92" name="Picture 91">
+              <a:extLst>
+                <a:ext uri="{FF2B5EF4-FFF2-40B4-BE49-F238E27FC236}">
+                  <a16:creationId xmlns:a16="http://schemas.microsoft.com/office/drawing/2014/main" id="{2221412C-9B23-4234-8FF0-586720BD4E95}"/>
+                </a:ext>
+              </a:extLst>
+            </p:cNvPr>
+            <p:cNvPicPr>
+              <a:picLocks noChangeAspect="1"/>
+            </p:cNvPicPr>
+            <p:nvPr/>
+          </p:nvPicPr>
+          <p:blipFill>
+            <a:blip r:embed="rId6" cstate="print">
+              <a:extLst>
+                <a:ext uri="{28A0092B-C50C-407E-A947-70E740481C1C}">
+                  <a14:useLocalDpi xmlns:a14="http://schemas.microsoft.com/office/drawing/2010/main" val="0"/>
+                </a:ext>
+              </a:extLst>
+            </a:blip>
+            <a:stretch>
+              <a:fillRect/>
+            </a:stretch>
+          </p:blipFill>
+          <p:spPr>
+            <a:xfrm>
+              <a:off x="1485887" y="2338805"/>
+              <a:ext cx="678907" cy="154889"/>
+            </a:xfrm>
+            <a:prstGeom prst="rect">
+              <a:avLst/>
+            </a:prstGeom>
+          </p:spPr>
+        </p:pic>
+      </p:grpSp>
+      <p:grpSp>
+        <p:nvGrpSpPr>
+          <p:cNvPr id="101" name="Group 100">
+            <a:extLst>
+              <a:ext uri="{FF2B5EF4-FFF2-40B4-BE49-F238E27FC236}">
+                <a16:creationId xmlns:a16="http://schemas.microsoft.com/office/drawing/2014/main" id="{9EE0D2F7-1F43-459D-A4BF-A490B67D309A}"/>
+              </a:ext>
+            </a:extLst>
+          </p:cNvPr>
+          <p:cNvGrpSpPr/>
+          <p:nvPr/>
+        </p:nvGrpSpPr>
+        <p:grpSpPr>
+          <a:xfrm>
+            <a:off x="284754" y="3471690"/>
+            <a:ext cx="1030081" cy="935773"/>
+            <a:chOff x="333068" y="3133055"/>
+            <a:chExt cx="1030081" cy="935773"/>
+          </a:xfrm>
+        </p:grpSpPr>
+        <p:sp>
+          <p:nvSpPr>
+            <p:cNvPr id="97" name="Hexagon 176">
+              <a:extLst>
+                <a:ext uri="{FF2B5EF4-FFF2-40B4-BE49-F238E27FC236}">
+                  <a16:creationId xmlns:a16="http://schemas.microsoft.com/office/drawing/2014/main" id="{007965F6-277F-46C6-97CD-20F39958C789}"/>
+                </a:ext>
+              </a:extLst>
+            </p:cNvPr>
+            <p:cNvSpPr/>
+            <p:nvPr/>
+          </p:nvSpPr>
+          <p:spPr bwMode="auto">
+            <a:xfrm>
+              <a:off x="333068" y="3133055"/>
+              <a:ext cx="1030081" cy="935773"/>
+            </a:xfrm>
+            <a:prstGeom prst="hexagon">
+              <a:avLst>
+                <a:gd name="adj" fmla="val 28624"/>
+                <a:gd name="vf" fmla="val 115470"/>
+              </a:avLst>
+            </a:prstGeom>
+            <a:ln>
+              <a:headEnd type="none" w="med" len="med"/>
+              <a:tailEnd type="none" w="med" len="med"/>
+            </a:ln>
+          </p:spPr>
+          <p:style>
+            <a:lnRef idx="2">
+              <a:schemeClr val="accent3"/>
+            </a:lnRef>
+            <a:fillRef idx="1">
+              <a:schemeClr val="lt1"/>
+            </a:fillRef>
+            <a:effectRef idx="0">
+              <a:schemeClr val="accent3"/>
+            </a:effectRef>
+            <a:fontRef idx="minor">
+              <a:schemeClr val="dk1"/>
+            </a:fontRef>
+          </p:style>
+          <p:txBody>
+            <a:bodyPr rot="0" spcFirstLastPara="0" vertOverflow="overflow" horzOverflow="overflow" vert="horz" wrap="square" lIns="0" tIns="560064" rIns="0" bIns="380632" numCol="1" spcCol="0" rtlCol="0" fromWordArt="0" anchor="t" anchorCtr="0" forceAA="0" compatLnSpc="1">
+              <a:prstTxWarp prst="textNoShape">
+                <a:avLst/>
+              </a:prstTxWarp>
+              <a:noAutofit/>
+            </a:bodyPr>
+            <a:lstStyle/>
+            <a:p>
+              <a:pPr algn="ctr" defTabSz="878453" fontAlgn="base">
+                <a:lnSpc>
+                  <a:spcPct val="90000"/>
+                </a:lnSpc>
+                <a:spcBef>
+                  <a:spcPct val="0"/>
+                </a:spcBef>
+                <a:spcAft>
+                  <a:spcPct val="0"/>
+                </a:spcAft>
+              </a:pPr>
+              <a:r>
+                <a:rPr lang="en-US" sz="1131" b="1" dirty="0">
+                  <a:solidFill>
+                    <a:schemeClr val="tx1"/>
+                  </a:solidFill>
+                  <a:latin typeface="Segoe UI" charset="0"/>
+                  <a:cs typeface="Segoe UI" charset="0"/>
+                </a:rPr>
+                <a:t>Rating</a:t>
+              </a:r>
+            </a:p>
+          </p:txBody>
+        </p:sp>
+        <p:pic>
+          <p:nvPicPr>
+            <p:cNvPr id="99" name="Picture 98">
+              <a:extLst>
+                <a:ext uri="{FF2B5EF4-FFF2-40B4-BE49-F238E27FC236}">
+                  <a16:creationId xmlns:a16="http://schemas.microsoft.com/office/drawing/2014/main" id="{B992DBA1-1DF7-462D-A0F5-06365F4BB0C5}"/>
+                </a:ext>
+              </a:extLst>
+            </p:cNvPr>
+            <p:cNvPicPr>
+              <a:picLocks noChangeAspect="1"/>
+            </p:cNvPicPr>
+            <p:nvPr/>
+          </p:nvPicPr>
+          <p:blipFill>
+            <a:blip r:embed="rId7"/>
+            <a:stretch>
+              <a:fillRect/>
+            </a:stretch>
+          </p:blipFill>
+          <p:spPr>
+            <a:xfrm>
+              <a:off x="562368" y="3261024"/>
+              <a:ext cx="567308" cy="330930"/>
+            </a:xfrm>
+            <a:prstGeom prst="rect">
+              <a:avLst/>
+            </a:prstGeom>
+          </p:spPr>
+        </p:pic>
+      </p:grpSp>
+      <p:grpSp>
+        <p:nvGrpSpPr>
+          <p:cNvPr id="104" name="Group 103">
+            <a:extLst>
+              <a:ext uri="{FF2B5EF4-FFF2-40B4-BE49-F238E27FC236}">
+                <a16:creationId xmlns:a16="http://schemas.microsoft.com/office/drawing/2014/main" id="{D0F6231A-F6A9-43A3-95AD-B26735845A71}"/>
+              </a:ext>
+            </a:extLst>
+          </p:cNvPr>
+          <p:cNvGrpSpPr/>
+          <p:nvPr/>
+        </p:nvGrpSpPr>
+        <p:grpSpPr>
+          <a:xfrm>
+            <a:off x="4800600" y="3436947"/>
+            <a:ext cx="1030081" cy="935773"/>
+            <a:chOff x="333068" y="3133055"/>
+            <a:chExt cx="1030081" cy="935773"/>
+          </a:xfrm>
+        </p:grpSpPr>
+        <p:sp>
+          <p:nvSpPr>
+            <p:cNvPr id="105" name="Hexagon 176">
+              <a:extLst>
+                <a:ext uri="{FF2B5EF4-FFF2-40B4-BE49-F238E27FC236}">
+                  <a16:creationId xmlns:a16="http://schemas.microsoft.com/office/drawing/2014/main" id="{0B625946-9372-4436-9DA6-DF18AA452D5B}"/>
+                </a:ext>
+              </a:extLst>
+            </p:cNvPr>
+            <p:cNvSpPr/>
+            <p:nvPr/>
+          </p:nvSpPr>
+          <p:spPr bwMode="auto">
+            <a:xfrm>
+              <a:off x="333068" y="3133055"/>
+              <a:ext cx="1030081" cy="935773"/>
+            </a:xfrm>
+            <a:prstGeom prst="hexagon">
+              <a:avLst>
+                <a:gd name="adj" fmla="val 28624"/>
+                <a:gd name="vf" fmla="val 115470"/>
+              </a:avLst>
+            </a:prstGeom>
+            <a:ln>
+              <a:headEnd type="none" w="med" len="med"/>
+              <a:tailEnd type="none" w="med" len="med"/>
+            </a:ln>
+          </p:spPr>
+          <p:style>
+            <a:lnRef idx="2">
+              <a:schemeClr val="accent3"/>
+            </a:lnRef>
+            <a:fillRef idx="1">
+              <a:schemeClr val="lt1"/>
+            </a:fillRef>
+            <a:effectRef idx="0">
+              <a:schemeClr val="accent3"/>
+            </a:effectRef>
+            <a:fontRef idx="minor">
+              <a:schemeClr val="dk1"/>
+            </a:fontRef>
+          </p:style>
+          <p:txBody>
+            <a:bodyPr rot="0" spcFirstLastPara="0" vertOverflow="overflow" horzOverflow="overflow" vert="horz" wrap="square" lIns="0" tIns="560064" rIns="0" bIns="380632" numCol="1" spcCol="0" rtlCol="0" fromWordArt="0" anchor="t" anchorCtr="0" forceAA="0" compatLnSpc="1">
+              <a:prstTxWarp prst="textNoShape">
+                <a:avLst/>
+              </a:prstTxWarp>
+              <a:noAutofit/>
+            </a:bodyPr>
+            <a:lstStyle/>
+            <a:p>
+              <a:pPr algn="ctr" defTabSz="878453" fontAlgn="base">
+                <a:lnSpc>
+                  <a:spcPct val="90000"/>
+                </a:lnSpc>
+                <a:spcBef>
+                  <a:spcPct val="0"/>
+                </a:spcBef>
+                <a:spcAft>
+                  <a:spcPct val="0"/>
+                </a:spcAft>
+              </a:pPr>
+              <a:r>
+                <a:rPr lang="en-US" sz="1131" b="1" dirty="0">
+                  <a:solidFill>
+                    <a:schemeClr val="tx1"/>
+                  </a:solidFill>
+                  <a:latin typeface="Segoe UI" charset="0"/>
+                  <a:cs typeface="Segoe UI" charset="0"/>
+                </a:rPr>
+                <a:t>Catalog</a:t>
+              </a:r>
+            </a:p>
+          </p:txBody>
+        </p:sp>
+        <p:pic>
+          <p:nvPicPr>
+            <p:cNvPr id="106" name="Picture 105">
+              <a:extLst>
+                <a:ext uri="{FF2B5EF4-FFF2-40B4-BE49-F238E27FC236}">
+                  <a16:creationId xmlns:a16="http://schemas.microsoft.com/office/drawing/2014/main" id="{E244D273-111D-44C1-9CF3-C17CE34C6AB5}"/>
+                </a:ext>
+              </a:extLst>
+            </p:cNvPr>
+            <p:cNvPicPr>
+              <a:picLocks noChangeAspect="1"/>
+            </p:cNvPicPr>
+            <p:nvPr/>
+          </p:nvPicPr>
+          <p:blipFill>
+            <a:blip r:embed="rId7"/>
+            <a:stretch>
+              <a:fillRect/>
+            </a:stretch>
+          </p:blipFill>
+          <p:spPr>
+            <a:xfrm>
+              <a:off x="562368" y="3261024"/>
+              <a:ext cx="567308" cy="330930"/>
+            </a:xfrm>
+            <a:prstGeom prst="rect">
+              <a:avLst/>
+            </a:prstGeom>
+          </p:spPr>
+        </p:pic>
+      </p:grpSp>
+      <p:grpSp>
+        <p:nvGrpSpPr>
+          <p:cNvPr id="114" name="Group 113">
+            <a:extLst>
+              <a:ext uri="{FF2B5EF4-FFF2-40B4-BE49-F238E27FC236}">
+                <a16:creationId xmlns:a16="http://schemas.microsoft.com/office/drawing/2014/main" id="{24C89F02-222A-45B9-8396-F8A79AFA2B28}"/>
+              </a:ext>
+            </a:extLst>
+          </p:cNvPr>
+          <p:cNvGrpSpPr/>
+          <p:nvPr/>
+        </p:nvGrpSpPr>
+        <p:grpSpPr>
+          <a:xfrm>
+            <a:off x="7204262" y="1879600"/>
+            <a:ext cx="1030081" cy="935773"/>
+            <a:chOff x="1847159" y="4836151"/>
+            <a:chExt cx="1030081" cy="935773"/>
+          </a:xfrm>
+        </p:grpSpPr>
+        <p:sp>
+          <p:nvSpPr>
+            <p:cNvPr id="115" name="Hexagon 176">
+              <a:extLst>
+                <a:ext uri="{FF2B5EF4-FFF2-40B4-BE49-F238E27FC236}">
+                  <a16:creationId xmlns:a16="http://schemas.microsoft.com/office/drawing/2014/main" id="{E21049BF-1197-4C95-85A3-E6C05CEF2E78}"/>
+                </a:ext>
+              </a:extLst>
+            </p:cNvPr>
+            <p:cNvSpPr/>
+            <p:nvPr/>
+          </p:nvSpPr>
+          <p:spPr bwMode="auto">
+            <a:xfrm>
+              <a:off x="1847159" y="4836151"/>
+              <a:ext cx="1030081" cy="935773"/>
+            </a:xfrm>
+            <a:prstGeom prst="hexagon">
+              <a:avLst>
+                <a:gd name="adj" fmla="val 28624"/>
+                <a:gd name="vf" fmla="val 115470"/>
+              </a:avLst>
+            </a:prstGeom>
+            <a:ln>
+              <a:headEnd type="none" w="med" len="med"/>
+              <a:tailEnd type="none" w="med" len="med"/>
+            </a:ln>
+          </p:spPr>
+          <p:style>
+            <a:lnRef idx="2">
+              <a:schemeClr val="accent4"/>
+            </a:lnRef>
+            <a:fillRef idx="1">
+              <a:schemeClr val="lt1"/>
+            </a:fillRef>
+            <a:effectRef idx="0">
+              <a:schemeClr val="accent4"/>
+            </a:effectRef>
+            <a:fontRef idx="minor">
+              <a:schemeClr val="dk1"/>
+            </a:fontRef>
+          </p:style>
+          <p:txBody>
+            <a:bodyPr rot="0" spcFirstLastPara="0" vertOverflow="overflow" horzOverflow="overflow" vert="horz" wrap="square" lIns="0" tIns="560064" rIns="0" bIns="380632" numCol="1" spcCol="0" rtlCol="0" fromWordArt="0" anchor="t" anchorCtr="0" forceAA="0" compatLnSpc="1">
+              <a:prstTxWarp prst="textNoShape">
+                <a:avLst/>
+              </a:prstTxWarp>
+              <a:noAutofit/>
+            </a:bodyPr>
+            <a:lstStyle/>
+            <a:p>
+              <a:pPr algn="ctr" defTabSz="878453" fontAlgn="base">
+                <a:lnSpc>
+                  <a:spcPct val="90000"/>
+                </a:lnSpc>
+                <a:spcBef>
+                  <a:spcPct val="0"/>
+                </a:spcBef>
+                <a:spcAft>
+                  <a:spcPct val="0"/>
+                </a:spcAft>
+              </a:pPr>
+              <a:endParaRPr lang="en-US" sz="1131" b="1" dirty="0">
+                <a:solidFill>
+                  <a:schemeClr val="tx1"/>
+                </a:solidFill>
+                <a:latin typeface="Segoe UI" charset="0"/>
+                <a:cs typeface="Segoe UI" charset="0"/>
+              </a:endParaRPr>
+            </a:p>
+          </p:txBody>
+        </p:sp>
+        <p:pic>
+          <p:nvPicPr>
+            <p:cNvPr id="116" name="Picture 115">
+              <a:extLst>
+                <a:ext uri="{FF2B5EF4-FFF2-40B4-BE49-F238E27FC236}">
+                  <a16:creationId xmlns:a16="http://schemas.microsoft.com/office/drawing/2014/main" id="{61F15293-8B95-42DE-91E3-E65FE9669AE8}"/>
+                </a:ext>
+              </a:extLst>
+            </p:cNvPr>
+            <p:cNvPicPr>
+              <a:picLocks noChangeAspect="1"/>
+            </p:cNvPicPr>
+            <p:nvPr/>
+          </p:nvPicPr>
+          <p:blipFill>
+            <a:blip r:embed="rId4" cstate="print">
+              <a:extLst>
+                <a:ext uri="{28A0092B-C50C-407E-A947-70E740481C1C}">
+                  <a14:useLocalDpi xmlns:a14="http://schemas.microsoft.com/office/drawing/2010/main" val="0"/>
+                </a:ext>
+              </a:extLst>
+            </a:blip>
+            <a:stretch>
+              <a:fillRect/>
+            </a:stretch>
+          </p:blipFill>
+          <p:spPr>
+            <a:xfrm>
+              <a:off x="2082197" y="5059918"/>
+              <a:ext cx="562911" cy="455057"/>
+            </a:xfrm>
+            <a:prstGeom prst="rect">
+              <a:avLst/>
+            </a:prstGeom>
+          </p:spPr>
+        </p:pic>
+      </p:grpSp>
+      <p:grpSp>
+        <p:nvGrpSpPr>
+          <p:cNvPr id="132" name="Group 131">
+            <a:extLst>
+              <a:ext uri="{FF2B5EF4-FFF2-40B4-BE49-F238E27FC236}">
+                <a16:creationId xmlns:a16="http://schemas.microsoft.com/office/drawing/2014/main" id="{C98623D0-3374-4417-8C0B-A34DA2ED0969}"/>
+              </a:ext>
+            </a:extLst>
+          </p:cNvPr>
+          <p:cNvGrpSpPr/>
+          <p:nvPr/>
+        </p:nvGrpSpPr>
+        <p:grpSpPr>
+          <a:xfrm>
+            <a:off x="4860084" y="4812869"/>
+            <a:ext cx="1030081" cy="935773"/>
+            <a:chOff x="5055956" y="4812869"/>
+            <a:chExt cx="1030081" cy="935773"/>
+          </a:xfrm>
+        </p:grpSpPr>
+        <p:sp>
+          <p:nvSpPr>
+            <p:cNvPr id="123" name="Hexagon 176">
+              <a:extLst>
+                <a:ext uri="{FF2B5EF4-FFF2-40B4-BE49-F238E27FC236}">
+                  <a16:creationId xmlns:a16="http://schemas.microsoft.com/office/drawing/2014/main" id="{C0183146-FDED-48B6-B9C4-CA1FA9F991CE}"/>
+                </a:ext>
+              </a:extLst>
+            </p:cNvPr>
+            <p:cNvSpPr/>
+            <p:nvPr/>
+          </p:nvSpPr>
+          <p:spPr bwMode="auto">
+            <a:xfrm>
+              <a:off x="5055956" y="4812869"/>
+              <a:ext cx="1030081" cy="935773"/>
+            </a:xfrm>
+            <a:prstGeom prst="hexagon">
+              <a:avLst>
+                <a:gd name="adj" fmla="val 28624"/>
+                <a:gd name="vf" fmla="val 115470"/>
+              </a:avLst>
+            </a:prstGeom>
+            <a:ln>
+              <a:headEnd type="none" w="med" len="med"/>
+              <a:tailEnd type="none" w="med" len="med"/>
+            </a:ln>
+          </p:spPr>
+          <p:style>
+            <a:lnRef idx="2">
+              <a:schemeClr val="accent3"/>
+            </a:lnRef>
+            <a:fillRef idx="1">
+              <a:schemeClr val="lt1"/>
+            </a:fillRef>
+            <a:effectRef idx="0">
+              <a:schemeClr val="accent3"/>
+            </a:effectRef>
+            <a:fontRef idx="minor">
+              <a:schemeClr val="dk1"/>
+            </a:fontRef>
+          </p:style>
+          <p:txBody>
+            <a:bodyPr rot="0" spcFirstLastPara="0" vertOverflow="overflow" horzOverflow="overflow" vert="horz" wrap="square" lIns="0" tIns="560064" rIns="0" bIns="380632" numCol="1" spcCol="0" rtlCol="0" fromWordArt="0" anchor="t" anchorCtr="0" forceAA="0" compatLnSpc="1">
+              <a:prstTxWarp prst="textNoShape">
+                <a:avLst/>
+              </a:prstTxWarp>
+              <a:noAutofit/>
+            </a:bodyPr>
+            <a:lstStyle/>
+            <a:p>
+              <a:pPr algn="ctr" defTabSz="878453" fontAlgn="base">
+                <a:lnSpc>
+                  <a:spcPct val="90000"/>
+                </a:lnSpc>
+                <a:spcBef>
+                  <a:spcPct val="0"/>
+                </a:spcBef>
+                <a:spcAft>
+                  <a:spcPct val="0"/>
+                </a:spcAft>
+              </a:pPr>
+              <a:endParaRPr lang="en-US" sz="1131" b="1" dirty="0">
+                <a:solidFill>
+                  <a:schemeClr val="tx1"/>
+                </a:solidFill>
+                <a:latin typeface="Segoe UI" charset="0"/>
+                <a:cs typeface="Segoe UI" charset="0"/>
+              </a:endParaRPr>
+            </a:p>
+          </p:txBody>
+        </p:sp>
+        <p:pic>
+          <p:nvPicPr>
+            <p:cNvPr id="126" name="Picture 125">
+              <a:extLst>
+                <a:ext uri="{FF2B5EF4-FFF2-40B4-BE49-F238E27FC236}">
+                  <a16:creationId xmlns:a16="http://schemas.microsoft.com/office/drawing/2014/main" id="{EB6412B3-D057-4657-8A51-126CFE6ABD13}"/>
+                </a:ext>
+              </a:extLst>
+            </p:cNvPr>
+            <p:cNvPicPr>
+              <a:picLocks noChangeAspect="1"/>
+            </p:cNvPicPr>
+            <p:nvPr/>
+          </p:nvPicPr>
+          <p:blipFill>
+            <a:blip r:embed="rId8" cstate="print">
+              <a:extLst>
+                <a:ext uri="{28A0092B-C50C-407E-A947-70E740481C1C}">
+                  <a14:useLocalDpi xmlns:a14="http://schemas.microsoft.com/office/drawing/2010/main" val="0"/>
+                </a:ext>
+              </a:extLst>
+            </a:blip>
+            <a:stretch>
+              <a:fillRect/>
+            </a:stretch>
+          </p:blipFill>
+          <p:spPr>
+            <a:xfrm>
+              <a:off x="5355993" y="4972050"/>
+              <a:ext cx="506205" cy="572901"/>
+            </a:xfrm>
+            <a:prstGeom prst="rect">
+              <a:avLst/>
+            </a:prstGeom>
+          </p:spPr>
+        </p:pic>
+      </p:grpSp>
+      <p:grpSp>
+        <p:nvGrpSpPr>
+          <p:cNvPr id="133" name="Group 132">
+            <a:extLst>
+              <a:ext uri="{FF2B5EF4-FFF2-40B4-BE49-F238E27FC236}">
+                <a16:creationId xmlns:a16="http://schemas.microsoft.com/office/drawing/2014/main" id="{4E5C556C-9FE4-47CA-99DF-F786B5A9DC13}"/>
+              </a:ext>
+            </a:extLst>
+          </p:cNvPr>
+          <p:cNvGrpSpPr/>
+          <p:nvPr/>
+        </p:nvGrpSpPr>
+        <p:grpSpPr>
+          <a:xfrm>
+            <a:off x="284754" y="4872555"/>
+            <a:ext cx="1030081" cy="935773"/>
+            <a:chOff x="5055956" y="4812869"/>
+            <a:chExt cx="1030081" cy="935773"/>
+          </a:xfrm>
+        </p:grpSpPr>
+        <p:sp>
+          <p:nvSpPr>
+            <p:cNvPr id="134" name="Hexagon 176">
+              <a:extLst>
+                <a:ext uri="{FF2B5EF4-FFF2-40B4-BE49-F238E27FC236}">
+                  <a16:creationId xmlns:a16="http://schemas.microsoft.com/office/drawing/2014/main" id="{C43A71FD-C793-45C0-893C-E2DC35B80341}"/>
+                </a:ext>
+              </a:extLst>
+            </p:cNvPr>
+            <p:cNvSpPr/>
+            <p:nvPr/>
+          </p:nvSpPr>
+          <p:spPr bwMode="auto">
+            <a:xfrm>
+              <a:off x="5055956" y="4812869"/>
+              <a:ext cx="1030081" cy="935773"/>
+            </a:xfrm>
+            <a:prstGeom prst="hexagon">
+              <a:avLst>
+                <a:gd name="adj" fmla="val 28624"/>
+                <a:gd name="vf" fmla="val 115470"/>
+              </a:avLst>
+            </a:prstGeom>
+            <a:ln>
+              <a:headEnd type="none" w="med" len="med"/>
+              <a:tailEnd type="none" w="med" len="med"/>
+            </a:ln>
+          </p:spPr>
+          <p:style>
+            <a:lnRef idx="2">
+              <a:schemeClr val="accent3"/>
+            </a:lnRef>
+            <a:fillRef idx="1">
+              <a:schemeClr val="lt1"/>
+            </a:fillRef>
+            <a:effectRef idx="0">
+              <a:schemeClr val="accent3"/>
+            </a:effectRef>
+            <a:fontRef idx="minor">
+              <a:schemeClr val="dk1"/>
+            </a:fontRef>
+          </p:style>
+          <p:txBody>
+            <a:bodyPr rot="0" spcFirstLastPara="0" vertOverflow="overflow" horzOverflow="overflow" vert="horz" wrap="square" lIns="0" tIns="560064" rIns="0" bIns="380632" numCol="1" spcCol="0" rtlCol="0" fromWordArt="0" anchor="t" anchorCtr="0" forceAA="0" compatLnSpc="1">
+              <a:prstTxWarp prst="textNoShape">
+                <a:avLst/>
+              </a:prstTxWarp>
+              <a:noAutofit/>
+            </a:bodyPr>
+            <a:lstStyle/>
+            <a:p>
+              <a:pPr algn="ctr" defTabSz="878453" fontAlgn="base">
+                <a:lnSpc>
+                  <a:spcPct val="90000"/>
+                </a:lnSpc>
+                <a:spcBef>
+                  <a:spcPct val="0"/>
+                </a:spcBef>
+                <a:spcAft>
+                  <a:spcPct val="0"/>
+                </a:spcAft>
+              </a:pPr>
+              <a:endParaRPr lang="en-US" sz="1131" b="1" dirty="0">
+                <a:solidFill>
+                  <a:schemeClr val="tx1"/>
+                </a:solidFill>
+                <a:latin typeface="Segoe UI" charset="0"/>
+                <a:cs typeface="Segoe UI" charset="0"/>
+              </a:endParaRPr>
+            </a:p>
+          </p:txBody>
+        </p:sp>
+        <p:pic>
+          <p:nvPicPr>
+            <p:cNvPr id="135" name="Picture 134">
+              <a:extLst>
+                <a:ext uri="{FF2B5EF4-FFF2-40B4-BE49-F238E27FC236}">
+                  <a16:creationId xmlns:a16="http://schemas.microsoft.com/office/drawing/2014/main" id="{C49A8728-A015-4899-95BB-F493DFEA8B82}"/>
+                </a:ext>
+              </a:extLst>
+            </p:cNvPr>
+            <p:cNvPicPr>
+              <a:picLocks noChangeAspect="1"/>
+            </p:cNvPicPr>
+            <p:nvPr/>
+          </p:nvPicPr>
+          <p:blipFill>
+            <a:blip r:embed="rId8" cstate="print">
+              <a:extLst>
+                <a:ext uri="{28A0092B-C50C-407E-A947-70E740481C1C}">
+                  <a14:useLocalDpi xmlns:a14="http://schemas.microsoft.com/office/drawing/2010/main" val="0"/>
+                </a:ext>
+              </a:extLst>
+            </a:blip>
+            <a:stretch>
+              <a:fillRect/>
+            </a:stretch>
+          </p:blipFill>
+          <p:spPr>
+            <a:xfrm>
+              <a:off x="5355993" y="4972050"/>
+              <a:ext cx="506205" cy="572901"/>
+            </a:xfrm>
+            <a:prstGeom prst="rect">
+              <a:avLst/>
+            </a:prstGeom>
+          </p:spPr>
+        </p:pic>
+      </p:grpSp>
+      <p:grpSp>
+        <p:nvGrpSpPr>
+          <p:cNvPr id="139" name="Group 138">
+            <a:extLst>
+              <a:ext uri="{FF2B5EF4-FFF2-40B4-BE49-F238E27FC236}">
+                <a16:creationId xmlns:a16="http://schemas.microsoft.com/office/drawing/2014/main" id="{63AC1E53-0838-4A49-8CA5-ED7E6485C35E}"/>
+              </a:ext>
+            </a:extLst>
+          </p:cNvPr>
+          <p:cNvGrpSpPr/>
+          <p:nvPr/>
+        </p:nvGrpSpPr>
+        <p:grpSpPr>
+          <a:xfrm>
+            <a:off x="2775925" y="643152"/>
+            <a:ext cx="1068151" cy="919700"/>
+            <a:chOff x="4588271" y="598931"/>
+            <a:chExt cx="1068151" cy="919700"/>
+          </a:xfrm>
+        </p:grpSpPr>
+        <p:sp>
+          <p:nvSpPr>
+            <p:cNvPr id="120" name="Hexagon 176">
+              <a:extLst>
+                <a:ext uri="{FF2B5EF4-FFF2-40B4-BE49-F238E27FC236}">
+                  <a16:creationId xmlns:a16="http://schemas.microsoft.com/office/drawing/2014/main" id="{BACA5EBF-6C4A-49C1-B081-0A677B548D74}"/>
+                </a:ext>
+              </a:extLst>
+            </p:cNvPr>
+            <p:cNvSpPr/>
+            <p:nvPr/>
+          </p:nvSpPr>
+          <p:spPr bwMode="auto">
+            <a:xfrm>
+              <a:off x="4588271" y="598931"/>
+              <a:ext cx="1068151" cy="919700"/>
+            </a:xfrm>
+            <a:prstGeom prst="hexagon">
+              <a:avLst>
+                <a:gd name="adj" fmla="val 28624"/>
+                <a:gd name="vf" fmla="val 115470"/>
+              </a:avLst>
+            </a:prstGeom>
+            <a:ln>
+              <a:headEnd type="none" w="med" len="med"/>
+              <a:tailEnd type="none" w="med" len="med"/>
+            </a:ln>
+          </p:spPr>
+          <p:style>
+            <a:lnRef idx="2">
+              <a:schemeClr val="accent6"/>
+            </a:lnRef>
+            <a:fillRef idx="1">
+              <a:schemeClr val="lt1"/>
+            </a:fillRef>
+            <a:effectRef idx="0">
+              <a:schemeClr val="accent6"/>
+            </a:effectRef>
+            <a:fontRef idx="minor">
+              <a:schemeClr val="dk1"/>
+            </a:fontRef>
+          </p:style>
+          <p:txBody>
+            <a:bodyPr rot="0" spcFirstLastPara="0" vertOverflow="overflow" horzOverflow="overflow" vert="horz" wrap="square" lIns="0" tIns="560064" rIns="0" bIns="380632" numCol="1" spcCol="0" rtlCol="0" fromWordArt="0" anchor="t" anchorCtr="0" forceAA="0" compatLnSpc="1">
+              <a:prstTxWarp prst="textNoShape">
+                <a:avLst/>
+              </a:prstTxWarp>
+              <a:noAutofit/>
+            </a:bodyPr>
+            <a:lstStyle/>
+            <a:p>
+              <a:pPr algn="ctr" defTabSz="878453" fontAlgn="base">
+                <a:lnSpc>
+                  <a:spcPct val="90000"/>
+                </a:lnSpc>
+                <a:spcBef>
+                  <a:spcPct val="0"/>
+                </a:spcBef>
+                <a:spcAft>
+                  <a:spcPct val="0"/>
+                </a:spcAft>
+              </a:pPr>
+              <a:endParaRPr lang="en-US" sz="1131" b="1" dirty="0">
+                <a:solidFill>
+                  <a:schemeClr val="tx1"/>
+                </a:solidFill>
+                <a:latin typeface="Segoe UI" charset="0"/>
+                <a:cs typeface="Segoe UI" charset="0"/>
+              </a:endParaRPr>
+            </a:p>
+          </p:txBody>
+        </p:sp>
+        <p:pic>
+          <p:nvPicPr>
+            <p:cNvPr id="138" name="Picture 137">
+              <a:extLst>
+                <a:ext uri="{FF2B5EF4-FFF2-40B4-BE49-F238E27FC236}">
+                  <a16:creationId xmlns:a16="http://schemas.microsoft.com/office/drawing/2014/main" id="{F1A45C12-F05E-465B-BEF9-4A0E70D24BB9}"/>
+                </a:ext>
+              </a:extLst>
+            </p:cNvPr>
+            <p:cNvPicPr>
+              <a:picLocks noChangeAspect="1"/>
+            </p:cNvPicPr>
+            <p:nvPr/>
+          </p:nvPicPr>
+          <p:blipFill>
+            <a:blip r:embed="rId9" cstate="print">
+              <a:extLst>
+                <a:ext uri="{28A0092B-C50C-407E-A947-70E740481C1C}">
+                  <a14:useLocalDpi xmlns:a14="http://schemas.microsoft.com/office/drawing/2010/main" val="0"/>
+                </a:ext>
+              </a:extLst>
+            </a:blip>
+            <a:stretch>
+              <a:fillRect/>
+            </a:stretch>
+          </p:blipFill>
+          <p:spPr>
+            <a:xfrm>
+              <a:off x="4777649" y="714375"/>
+              <a:ext cx="713355" cy="713355"/>
+            </a:xfrm>
+            <a:prstGeom prst="rect">
+              <a:avLst/>
+            </a:prstGeom>
+          </p:spPr>
+        </p:pic>
+      </p:grpSp>
+      <p:sp>
+        <p:nvSpPr>
+          <p:cNvPr id="167" name="TextBox 166">
+            <a:extLst>
+              <a:ext uri="{FF2B5EF4-FFF2-40B4-BE49-F238E27FC236}">
+                <a16:creationId xmlns:a16="http://schemas.microsoft.com/office/drawing/2014/main" id="{786150D0-A442-477B-AEF6-6FCE285D9263}"/>
+              </a:ext>
+            </a:extLst>
+          </p:cNvPr>
+          <p:cNvSpPr txBox="1"/>
+          <p:nvPr/>
+        </p:nvSpPr>
+        <p:spPr>
+          <a:xfrm>
+            <a:off x="5604453" y="5711883"/>
+            <a:ext cx="5582762" cy="261610"/>
+          </a:xfrm>
+          <a:prstGeom prst="rect">
+            <a:avLst/>
+          </a:prstGeom>
+          <a:noFill/>
+        </p:spPr>
+        <p:txBody>
+          <a:bodyPr wrap="square" rtlCol="0">
+            <a:spAutoFit/>
+          </a:bodyPr>
+          <a:lstStyle/>
+          <a:p>
+            <a:r>
+              <a:rPr lang="en-US" sz="1100" dirty="0"/>
+              <a:t>https://github.com/vietnam-devs/coolstore-microservices</a:t>
+            </a:r>
+          </a:p>
+        </p:txBody>
+      </p:sp>
+    </p:spTree>
+    <p:extLst>
+      <p:ext uri="{BB962C8B-B14F-4D97-AF65-F5344CB8AC3E}">
+        <p14:creationId xmlns:p14="http://schemas.microsoft.com/office/powerpoint/2010/main" val="3206471563"/>
+      </p:ext>
+    </p:extLst>
+  </p:cSld>
+  <p:clrMapOvr>
+    <a:masterClrMapping/>
+  </p:clrMapOvr>
 </p:sld>
 </file>
 
